--- a/final_project/project-presentation/final project presentation.pptx
+++ b/final_project/project-presentation/final project presentation.pptx
@@ -283,7 +283,7 @@
       </p15:sldGuideLst>
     </p:ext>
     <p:ext uri="GoogleSlidesCustomDataVersion2">
-      <go:slidesCustomData xmlns:go="http://customooxmlschemas.google.com/" xmlns:ahyp="http://schemas.microsoft.com/office/drawing/2018/hyperlinkcolor" xmlns:p15="http://schemas.microsoft.com/office/powerpoint/2012/main" xmlns:p14="http://schemas.microsoft.com/office/powerpoint/2010/main" xmlns:com="http://schemas.openxmlformats.org/drawingml/2006/compatibility" xmlns:pvml="urn:schemas-microsoft-com:office:powerpoint" xmlns:v="urn:schemas-microsoft-com:vml" xmlns:o="urn:schemas-microsoft-com:office:office" xmlns:dgm="http://schemas.openxmlformats.org/drawingml/2006/diagram" xmlns:c="http://schemas.openxmlformats.org/drawingml/2006/chart" xmlns:mv="urn:schemas-microsoft-com:mac:vml" xmlns:mc="http://schemas.openxmlformats.org/markup-compatibility/2006" xmlns="" r:id="rId25" roundtripDataSignature="AMtx7mg9t2PZ1O3rF+GIIVYjQMDaO80OWw=="/>
+      <go:slidesCustomData xmlns="" xmlns:mc="http://schemas.openxmlformats.org/markup-compatibility/2006" xmlns:mv="urn:schemas-microsoft-com:mac:vml" xmlns:c="http://schemas.openxmlformats.org/drawingml/2006/chart" xmlns:dgm="http://schemas.openxmlformats.org/drawingml/2006/diagram" xmlns:o="urn:schemas-microsoft-com:office:office" xmlns:v="urn:schemas-microsoft-com:vml" xmlns:pvml="urn:schemas-microsoft-com:office:powerpoint" xmlns:com="http://schemas.openxmlformats.org/drawingml/2006/compatibility" xmlns:p14="http://schemas.microsoft.com/office/powerpoint/2010/main" xmlns:p15="http://schemas.microsoft.com/office/powerpoint/2012/main" xmlns:ahyp="http://schemas.microsoft.com/office/drawing/2018/hyperlinkcolor" xmlns:go="http://customooxmlschemas.google.com/" r:id="rId25" roundtripDataSignature="AMtx7mg9t2PZ1O3rF+GIIVYjQMDaO80OWw=="/>
     </p:ext>
   </p:extLst>
 </p:presentation>
@@ -12717,7 +12717,7 @@
               <a:buNone/>
             </a:pPr>
             <a:r>
-              <a:rPr lang="en" sz="3600" u="sng">
+              <a:rPr lang="en" sz="3600" u="sng" dirty="0">
                 <a:solidFill>
                   <a:schemeClr val="lt1"/>
                 </a:solidFill>
@@ -12725,7 +12725,7 @@
               <a:t>Project Diagram:</a:t>
             </a:r>
             <a:r>
-              <a:rPr lang="en" sz="3600">
+              <a:rPr lang="en" sz="3600" dirty="0">
                 <a:solidFill>
                   <a:schemeClr val="lt1"/>
                 </a:solidFill>
@@ -12733,11 +12733,11 @@
               <a:t>  </a:t>
             </a:r>
             <a:r>
-              <a:rPr lang="en" sz="1600" u="sng">
+              <a:rPr lang="en" sz="1600" u="sng" dirty="0">
                 <a:solidFill>
                   <a:schemeClr val="lt1"/>
                 </a:solidFill>
-                <a:hlinkClick r:id="rId3">
+                <a:hlinkClick r:id="rId3" action="ppaction://hlinkfile">
                   <a:extLst>
                     <a:ext uri="{A12FA001-AC4F-418D-AE19-62706E023703}">
                       <ahyp:hlinkClr xmlns:ahyp="http://schemas.microsoft.com/office/drawing/2018/hyperlinkcolor" val="tx"/>
@@ -12747,7 +12747,7 @@
               </a:rPr>
               <a:t>click to open Diagram</a:t>
             </a:r>
-            <a:endParaRPr sz="2400" u="sng">
+            <a:endParaRPr sz="2400" u="sng" dirty="0">
               <a:solidFill>
                 <a:schemeClr val="lt1"/>
               </a:solidFill>

--- a/final_project/project-presentation/final project presentation.pptx
+++ b/final_project/project-presentation/final project presentation.pptx
@@ -283,7 +283,7 @@
       </p15:sldGuideLst>
     </p:ext>
     <p:ext uri="GoogleSlidesCustomDataVersion2">
-      <go:slidesCustomData xmlns="" xmlns:mc="http://schemas.openxmlformats.org/markup-compatibility/2006" xmlns:mv="urn:schemas-microsoft-com:mac:vml" xmlns:c="http://schemas.openxmlformats.org/drawingml/2006/chart" xmlns:dgm="http://schemas.openxmlformats.org/drawingml/2006/diagram" xmlns:o="urn:schemas-microsoft-com:office:office" xmlns:v="urn:schemas-microsoft-com:vml" xmlns:pvml="urn:schemas-microsoft-com:office:powerpoint" xmlns:com="http://schemas.openxmlformats.org/drawingml/2006/compatibility" xmlns:p14="http://schemas.microsoft.com/office/powerpoint/2010/main" xmlns:p15="http://schemas.microsoft.com/office/powerpoint/2012/main" xmlns:ahyp="http://schemas.microsoft.com/office/drawing/2018/hyperlinkcolor" xmlns:go="http://customooxmlschemas.google.com/" r:id="rId25" roundtripDataSignature="AMtx7mg9t2PZ1O3rF+GIIVYjQMDaO80OWw=="/>
+      <go:slidesCustomData xmlns:go="http://customooxmlschemas.google.com/" xmlns:ahyp="http://schemas.microsoft.com/office/drawing/2018/hyperlinkcolor" xmlns:p15="http://schemas.microsoft.com/office/powerpoint/2012/main" xmlns:p14="http://schemas.microsoft.com/office/powerpoint/2010/main" xmlns:com="http://schemas.openxmlformats.org/drawingml/2006/compatibility" xmlns:pvml="urn:schemas-microsoft-com:office:powerpoint" xmlns:v="urn:schemas-microsoft-com:vml" xmlns:o="urn:schemas-microsoft-com:office:office" xmlns:dgm="http://schemas.openxmlformats.org/drawingml/2006/diagram" xmlns:c="http://schemas.openxmlformats.org/drawingml/2006/chart" xmlns:mv="urn:schemas-microsoft-com:mac:vml" xmlns:mc="http://schemas.openxmlformats.org/markup-compatibility/2006" xmlns="" r:id="rId25" roundtripDataSignature="AMtx7mg9t2PZ1O3rF+GIIVYjQMDaO80OWw=="/>
     </p:ext>
   </p:extLst>
 </p:presentation>
@@ -897,7 +897,7 @@
         </p:nvSpPr>
         <p:spPr>
           <a:xfrm>
-            <a:off x="381300" y="685800"/>
+            <a:off x="381000" y="685800"/>
             <a:ext cx="6096000" cy="3429000"/>
           </a:xfrm>
           <a:custGeom>
@@ -1263,7 +1263,7 @@
         </p:nvSpPr>
         <p:spPr>
           <a:xfrm>
-            <a:off x="381300" y="685800"/>
+            <a:off x="381000" y="685800"/>
             <a:ext cx="6096000" cy="3429000"/>
           </a:xfrm>
           <a:custGeom>
@@ -1629,7 +1629,7 @@
         </p:nvSpPr>
         <p:spPr>
           <a:xfrm>
-            <a:off x="381300" y="685800"/>
+            <a:off x="381000" y="685800"/>
             <a:ext cx="6096000" cy="3429000"/>
           </a:xfrm>
           <a:custGeom>
@@ -1751,7 +1751,7 @@
         </p:nvSpPr>
         <p:spPr>
           <a:xfrm>
-            <a:off x="381300" y="685800"/>
+            <a:off x="381000" y="685800"/>
             <a:ext cx="6096000" cy="3429000"/>
           </a:xfrm>
           <a:custGeom>
@@ -1873,7 +1873,7 @@
         </p:nvSpPr>
         <p:spPr>
           <a:xfrm>
-            <a:off x="381300" y="685800"/>
+            <a:off x="381000" y="685800"/>
             <a:ext cx="6096000" cy="3429000"/>
           </a:xfrm>
           <a:custGeom>
@@ -1995,7 +1995,7 @@
         </p:nvSpPr>
         <p:spPr>
           <a:xfrm>
-            <a:off x="381300" y="685800"/>
+            <a:off x="381000" y="685800"/>
             <a:ext cx="6096000" cy="3429000"/>
           </a:xfrm>
           <a:custGeom>
@@ -2117,7 +2117,7 @@
         </p:nvSpPr>
         <p:spPr>
           <a:xfrm>
-            <a:off x="381300" y="685800"/>
+            <a:off x="381000" y="685800"/>
             <a:ext cx="6096000" cy="3429000"/>
           </a:xfrm>
           <a:custGeom>
@@ -10937,7 +10937,7 @@
     <p:bg>
       <p:bgPr>
         <a:solidFill>
-          <a:schemeClr val="accent1"/>
+          <a:schemeClr val="bg1"/>
         </a:solidFill>
         <a:effectLst/>
       </p:bgPr>
@@ -10999,10 +10999,18 @@
               <a:buNone/>
             </a:pPr>
             <a:r>
-              <a:rPr lang="en" sz="3000"/>
+              <a:rPr lang="en" sz="3000" dirty="0">
+                <a:solidFill>
+                  <a:schemeClr val="bg2"/>
+                </a:solidFill>
+              </a:rPr>
               <a:t>Final Project DevOps</a:t>
             </a:r>
-            <a:endParaRPr sz="3000"/>
+            <a:endParaRPr sz="3000" dirty="0">
+              <a:solidFill>
+                <a:schemeClr val="bg2"/>
+              </a:solidFill>
+            </a:endParaRPr>
           </a:p>
           <a:p>
             <a:pPr marL="0" lvl="0" indent="0" algn="l" rtl="0">
@@ -11023,9 +11031,9 @@
               <a:buNone/>
             </a:pPr>
             <a:r>
-              <a:rPr lang="en" sz="2400">
-                <a:solidFill>
-                  <a:srgbClr val="FFFFFF"/>
+              <a:rPr lang="en" sz="2400" dirty="0">
+                <a:solidFill>
+                  <a:schemeClr val="bg2"/>
                 </a:solidFill>
                 <a:latin typeface="Arial"/>
                 <a:ea typeface="Arial"/>
@@ -11034,7 +11042,11 @@
               </a:rPr>
               <a:t>Kubernetes and CI/CD Implementation</a:t>
             </a:r>
-            <a:endParaRPr sz="2400"/>
+            <a:endParaRPr sz="2400" dirty="0">
+              <a:solidFill>
+                <a:schemeClr val="bg2"/>
+              </a:solidFill>
+            </a:endParaRPr>
           </a:p>
         </p:txBody>
       </p:sp>
@@ -11081,9 +11093,9 @@
               <a:buNone/>
             </a:pPr>
             <a:r>
-              <a:rPr lang="en" b="1">
-                <a:solidFill>
-                  <a:srgbClr val="FFFFFF"/>
+              <a:rPr lang="en" b="1" dirty="0">
+                <a:solidFill>
+                  <a:schemeClr val="bg2"/>
                 </a:solidFill>
                 <a:latin typeface="Arial"/>
                 <a:ea typeface="Arial"/>
@@ -11092,9 +11104,9 @@
               </a:rPr>
               <a:t>Presentation on Kubernetes and CI/CD Implementation</a:t>
             </a:r>
-            <a:endParaRPr b="1">
+            <a:endParaRPr b="1" dirty="0">
               <a:solidFill>
-                <a:srgbClr val="FFFFFF"/>
+                <a:schemeClr val="bg2"/>
               </a:solidFill>
               <a:latin typeface="Arial"/>
               <a:ea typeface="Arial"/>
@@ -11117,9 +11129,9 @@
               <a:buNone/>
             </a:pPr>
             <a:r>
-              <a:rPr lang="en" b="1">
-                <a:solidFill>
-                  <a:srgbClr val="FFFFFF"/>
+              <a:rPr lang="en" b="1" dirty="0">
+                <a:solidFill>
+                  <a:schemeClr val="bg2"/>
                 </a:solidFill>
                 <a:latin typeface="Arial"/>
                 <a:ea typeface="Arial"/>
@@ -11128,9 +11140,9 @@
               </a:rPr>
               <a:t>By Muhamed Joulani</a:t>
             </a:r>
-            <a:endParaRPr b="1">
+            <a:endParaRPr b="1" dirty="0">
               <a:solidFill>
-                <a:srgbClr val="FFFFFF"/>
+                <a:schemeClr val="bg2"/>
               </a:solidFill>
               <a:latin typeface="Arial"/>
               <a:ea typeface="Arial"/>
@@ -11181,7 +11193,7 @@
     <p:bg>
       <p:bgPr>
         <a:solidFill>
-          <a:schemeClr val="accent1"/>
+          <a:schemeClr val="bg1"/>
         </a:solidFill>
         <a:effectLst/>
       </p:bgPr>
@@ -11243,9 +11255,9 @@
               <a:buNone/>
             </a:pPr>
             <a:r>
-              <a:rPr lang="en" sz="3200" b="1" i="0" u="none" strike="noStrike" cap="none">
-                <a:solidFill>
-                  <a:schemeClr val="lt1"/>
+              <a:rPr lang="en" sz="3200" b="1" i="0" u="none" strike="noStrike" cap="none" dirty="0">
+                <a:solidFill>
+                  <a:schemeClr val="bg2"/>
                 </a:solidFill>
                 <a:latin typeface="Lato"/>
                 <a:ea typeface="Lato"/>
@@ -11254,9 +11266,9 @@
               </a:rPr>
               <a:t>Project Devpos Tools: </a:t>
             </a:r>
-            <a:endParaRPr sz="3200" b="1" i="0" u="none" strike="noStrike" cap="none">
+            <a:endParaRPr sz="3200" b="1" i="0" u="none" strike="noStrike" cap="none" dirty="0">
               <a:solidFill>
-                <a:schemeClr val="lt1"/>
+                <a:schemeClr val="bg2"/>
               </a:solidFill>
               <a:latin typeface="Lato"/>
               <a:ea typeface="Lato"/>
@@ -11283,9 +11295,9 @@
               <a:buNone/>
             </a:pPr>
             <a:r>
-              <a:rPr lang="en" sz="2400" b="1" i="0" u="none" strike="noStrike" cap="none">
-                <a:solidFill>
-                  <a:schemeClr val="lt1"/>
+              <a:rPr lang="en" sz="2400" b="1" i="0" u="none" strike="noStrike" cap="none" dirty="0">
+                <a:solidFill>
+                  <a:schemeClr val="bg2"/>
                 </a:solidFill>
                 <a:latin typeface="Arial"/>
                 <a:ea typeface="Arial"/>
@@ -11294,7 +11306,471 @@
               </a:rPr>
               <a:t>Content:</a:t>
             </a:r>
-            <a:endParaRPr sz="2400" b="1" i="0" u="none" strike="noStrike" cap="none">
+            <a:endParaRPr sz="2400" b="1" i="0" u="none" strike="noStrike" cap="none" dirty="0">
+              <a:solidFill>
+                <a:schemeClr val="bg2"/>
+              </a:solidFill>
+              <a:latin typeface="Arial"/>
+              <a:ea typeface="Arial"/>
+              <a:cs typeface="Arial"/>
+              <a:sym typeface="Arial"/>
+            </a:endParaRPr>
+          </a:p>
+          <a:p>
+            <a:pPr marL="457200" marR="0" lvl="0" indent="-342900" algn="l" rtl="0">
+              <a:lnSpc>
+                <a:spcPct val="115000"/>
+              </a:lnSpc>
+              <a:spcBef>
+                <a:spcPts val="1200"/>
+              </a:spcBef>
+              <a:spcAft>
+                <a:spcPts val="0"/>
+              </a:spcAft>
+              <a:buClr>
+                <a:schemeClr val="lt1"/>
+              </a:buClr>
+              <a:buSzPts val="1800"/>
+              <a:buFont typeface="Arial"/>
+              <a:buChar char="●"/>
+            </a:pPr>
+            <a:r>
+              <a:rPr lang="en" sz="1800" b="1" i="0" u="none" strike="noStrike" cap="none" dirty="0">
+                <a:solidFill>
+                  <a:schemeClr val="bg2"/>
+                </a:solidFill>
+                <a:latin typeface="Arial"/>
+                <a:ea typeface="Arial"/>
+                <a:cs typeface="Arial"/>
+                <a:sym typeface="Arial"/>
+              </a:rPr>
+              <a:t>Monitoring Grafana and Prometheus .</a:t>
+            </a:r>
+            <a:endParaRPr sz="1800" b="1" i="0" u="none" strike="noStrike" cap="none" dirty="0">
+              <a:solidFill>
+                <a:schemeClr val="bg2"/>
+              </a:solidFill>
+              <a:latin typeface="Arial"/>
+              <a:ea typeface="Arial"/>
+              <a:cs typeface="Arial"/>
+              <a:sym typeface="Arial"/>
+            </a:endParaRPr>
+          </a:p>
+          <a:p>
+            <a:pPr marL="457200" marR="0" lvl="0" indent="-342900" algn="l" rtl="0">
+              <a:lnSpc>
+                <a:spcPct val="115000"/>
+              </a:lnSpc>
+              <a:spcBef>
+                <a:spcPts val="0"/>
+              </a:spcBef>
+              <a:spcAft>
+                <a:spcPts val="0"/>
+              </a:spcAft>
+              <a:buClr>
+                <a:schemeClr val="lt1"/>
+              </a:buClr>
+              <a:buSzPts val="1800"/>
+              <a:buFont typeface="Arial"/>
+              <a:buChar char="●"/>
+            </a:pPr>
+            <a:r>
+              <a:rPr lang="en" sz="1800" b="1" i="0" u="none" strike="noStrike" cap="none" dirty="0">
+                <a:solidFill>
+                  <a:schemeClr val="bg2"/>
+                </a:solidFill>
+                <a:latin typeface="Arial"/>
+                <a:ea typeface="Arial"/>
+                <a:cs typeface="Arial"/>
+                <a:sym typeface="Arial"/>
+              </a:rPr>
+              <a:t>CI/CD  Jenkins and Github Action.</a:t>
+            </a:r>
+            <a:endParaRPr sz="1800" b="1" i="0" u="none" strike="noStrike" cap="none" dirty="0">
+              <a:solidFill>
+                <a:schemeClr val="bg2"/>
+              </a:solidFill>
+              <a:latin typeface="Arial"/>
+              <a:ea typeface="Arial"/>
+              <a:cs typeface="Arial"/>
+              <a:sym typeface="Arial"/>
+            </a:endParaRPr>
+          </a:p>
+          <a:p>
+            <a:pPr marL="457200" marR="0" lvl="0" indent="-342900" algn="l" rtl="0">
+              <a:lnSpc>
+                <a:spcPct val="115000"/>
+              </a:lnSpc>
+              <a:spcBef>
+                <a:spcPts val="0"/>
+              </a:spcBef>
+              <a:spcAft>
+                <a:spcPts val="0"/>
+              </a:spcAft>
+              <a:buClr>
+                <a:schemeClr val="lt1"/>
+              </a:buClr>
+              <a:buSzPts val="1800"/>
+              <a:buFont typeface="Arial"/>
+              <a:buChar char="●"/>
+            </a:pPr>
+            <a:r>
+              <a:rPr lang="en" sz="1800" b="1" i="0" u="none" strike="noStrike" cap="none" dirty="0">
+                <a:solidFill>
+                  <a:schemeClr val="bg2"/>
+                </a:solidFill>
+                <a:latin typeface="Arial"/>
+                <a:ea typeface="Arial"/>
+                <a:cs typeface="Arial"/>
+                <a:sym typeface="Arial"/>
+              </a:rPr>
+              <a:t>Argocd.</a:t>
+            </a:r>
+            <a:endParaRPr sz="1800" b="1" i="0" u="none" strike="noStrike" cap="none" dirty="0">
+              <a:solidFill>
+                <a:schemeClr val="bg2"/>
+              </a:solidFill>
+              <a:latin typeface="Arial"/>
+              <a:ea typeface="Arial"/>
+              <a:cs typeface="Arial"/>
+              <a:sym typeface="Arial"/>
+            </a:endParaRPr>
+          </a:p>
+          <a:p>
+            <a:pPr marL="457200" marR="0" lvl="0" indent="-342900" algn="l" rtl="0">
+              <a:lnSpc>
+                <a:spcPct val="115000"/>
+              </a:lnSpc>
+              <a:spcBef>
+                <a:spcPts val="0"/>
+              </a:spcBef>
+              <a:spcAft>
+                <a:spcPts val="0"/>
+              </a:spcAft>
+              <a:buClr>
+                <a:schemeClr val="lt1"/>
+              </a:buClr>
+              <a:buSzPts val="1800"/>
+              <a:buFont typeface="Arial"/>
+              <a:buChar char="●"/>
+            </a:pPr>
+            <a:r>
+              <a:rPr lang="en" sz="1800" b="1" i="0" u="none" strike="noStrike" cap="none" dirty="0">
+                <a:solidFill>
+                  <a:schemeClr val="bg2"/>
+                </a:solidFill>
+                <a:latin typeface="Arial"/>
+                <a:ea typeface="Arial"/>
+                <a:cs typeface="Arial"/>
+                <a:sym typeface="Arial"/>
+              </a:rPr>
+              <a:t>MobaXterm</a:t>
+            </a:r>
+            <a:endParaRPr sz="1800" b="1" i="0" u="none" strike="noStrike" cap="none" dirty="0">
+              <a:solidFill>
+                <a:schemeClr val="bg2"/>
+              </a:solidFill>
+              <a:latin typeface="Arial"/>
+              <a:ea typeface="Arial"/>
+              <a:cs typeface="Arial"/>
+              <a:sym typeface="Arial"/>
+            </a:endParaRPr>
+          </a:p>
+          <a:p>
+            <a:pPr marL="457200" marR="0" lvl="0" indent="-342900" algn="l" rtl="0">
+              <a:lnSpc>
+                <a:spcPct val="115000"/>
+              </a:lnSpc>
+              <a:spcBef>
+                <a:spcPts val="0"/>
+              </a:spcBef>
+              <a:spcAft>
+                <a:spcPts val="0"/>
+              </a:spcAft>
+              <a:buClr>
+                <a:schemeClr val="lt1"/>
+              </a:buClr>
+              <a:buSzPts val="1800"/>
+              <a:buFont typeface="Arial"/>
+              <a:buChar char="●"/>
+            </a:pPr>
+            <a:r>
+              <a:rPr lang="en" sz="1800" b="1" i="0" u="none" strike="noStrike" cap="none" dirty="0">
+                <a:solidFill>
+                  <a:schemeClr val="bg2"/>
+                </a:solidFill>
+                <a:latin typeface="Arial"/>
+                <a:ea typeface="Arial"/>
+                <a:cs typeface="Arial"/>
+                <a:sym typeface="Arial"/>
+              </a:rPr>
+              <a:t>Kubectl CLI</a:t>
+            </a:r>
+            <a:endParaRPr sz="1800" b="1" i="0" u="none" strike="noStrike" cap="none" dirty="0">
+              <a:solidFill>
+                <a:schemeClr val="bg2"/>
+              </a:solidFill>
+              <a:latin typeface="Arial"/>
+              <a:ea typeface="Arial"/>
+              <a:cs typeface="Arial"/>
+              <a:sym typeface="Arial"/>
+            </a:endParaRPr>
+          </a:p>
+          <a:p>
+            <a:pPr marL="457200" marR="0" lvl="0" indent="-342900" algn="l" rtl="0">
+              <a:lnSpc>
+                <a:spcPct val="115000"/>
+              </a:lnSpc>
+              <a:spcBef>
+                <a:spcPts val="0"/>
+              </a:spcBef>
+              <a:spcAft>
+                <a:spcPts val="0"/>
+              </a:spcAft>
+              <a:buClr>
+                <a:schemeClr val="lt1"/>
+              </a:buClr>
+              <a:buSzPts val="1800"/>
+              <a:buFont typeface="Arial"/>
+              <a:buChar char="●"/>
+            </a:pPr>
+            <a:r>
+              <a:rPr lang="en" sz="1800" b="1" i="0" u="none" strike="noStrike" cap="none" dirty="0">
+                <a:solidFill>
+                  <a:schemeClr val="bg2"/>
+                </a:solidFill>
+                <a:latin typeface="Arial"/>
+                <a:ea typeface="Arial"/>
+                <a:cs typeface="Arial"/>
+                <a:sym typeface="Arial"/>
+              </a:rPr>
+              <a:t>Aws CLI</a:t>
+            </a:r>
+            <a:endParaRPr sz="1800" b="1" i="0" u="none" strike="noStrike" cap="none" dirty="0">
+              <a:solidFill>
+                <a:schemeClr val="bg2"/>
+              </a:solidFill>
+              <a:latin typeface="Arial"/>
+              <a:ea typeface="Arial"/>
+              <a:cs typeface="Arial"/>
+              <a:sym typeface="Arial"/>
+            </a:endParaRPr>
+          </a:p>
+          <a:p>
+            <a:pPr marL="457200" marR="0" lvl="0" indent="-342900" algn="l" rtl="0">
+              <a:lnSpc>
+                <a:spcPct val="115000"/>
+              </a:lnSpc>
+              <a:spcBef>
+                <a:spcPts val="0"/>
+              </a:spcBef>
+              <a:spcAft>
+                <a:spcPts val="0"/>
+              </a:spcAft>
+              <a:buClr>
+                <a:schemeClr val="lt1"/>
+              </a:buClr>
+              <a:buSzPts val="1800"/>
+              <a:buFont typeface="Arial"/>
+              <a:buChar char="●"/>
+            </a:pPr>
+            <a:r>
+              <a:rPr lang="en" sz="1800" b="1" i="0" u="none" strike="noStrike" cap="none" dirty="0">
+                <a:solidFill>
+                  <a:schemeClr val="bg2"/>
+                </a:solidFill>
+                <a:latin typeface="Arial"/>
+                <a:ea typeface="Arial"/>
+                <a:cs typeface="Arial"/>
+                <a:sym typeface="Arial"/>
+              </a:rPr>
+              <a:t>Windows with wsl ubuntu</a:t>
+            </a:r>
+            <a:endParaRPr sz="1800" b="1" i="0" u="none" strike="noStrike" cap="none" dirty="0">
+              <a:solidFill>
+                <a:schemeClr val="bg2"/>
+              </a:solidFill>
+              <a:latin typeface="Arial"/>
+              <a:ea typeface="Arial"/>
+              <a:cs typeface="Arial"/>
+              <a:sym typeface="Arial"/>
+            </a:endParaRPr>
+          </a:p>
+          <a:p>
+            <a:pPr marL="457200" marR="0" lvl="0" indent="-342900" algn="l" rtl="0">
+              <a:lnSpc>
+                <a:spcPct val="115000"/>
+              </a:lnSpc>
+              <a:spcBef>
+                <a:spcPts val="0"/>
+              </a:spcBef>
+              <a:spcAft>
+                <a:spcPts val="0"/>
+              </a:spcAft>
+              <a:buClr>
+                <a:schemeClr val="lt1"/>
+              </a:buClr>
+              <a:buSzPts val="1800"/>
+              <a:buFont typeface="Arial"/>
+              <a:buChar char="●"/>
+            </a:pPr>
+            <a:r>
+              <a:rPr lang="en" sz="1800" b="1" i="0" u="none" strike="noStrike" cap="none" dirty="0">
+                <a:solidFill>
+                  <a:schemeClr val="bg2"/>
+                </a:solidFill>
+                <a:latin typeface="Arial"/>
+                <a:ea typeface="Arial"/>
+                <a:cs typeface="Arial"/>
+                <a:sym typeface="Arial"/>
+              </a:rPr>
+              <a:t>Git Bash</a:t>
+            </a:r>
+            <a:endParaRPr sz="1800" b="1" i="0" u="none" strike="noStrike" cap="none" dirty="0">
+              <a:solidFill>
+                <a:schemeClr val="bg2"/>
+              </a:solidFill>
+              <a:latin typeface="Arial"/>
+              <a:ea typeface="Arial"/>
+              <a:cs typeface="Arial"/>
+              <a:sym typeface="Arial"/>
+            </a:endParaRPr>
+          </a:p>
+          <a:p>
+            <a:pPr marL="457200" marR="0" lvl="0" indent="-342900" algn="l" rtl="0">
+              <a:lnSpc>
+                <a:spcPct val="115000"/>
+              </a:lnSpc>
+              <a:spcBef>
+                <a:spcPts val="0"/>
+              </a:spcBef>
+              <a:spcAft>
+                <a:spcPts val="0"/>
+              </a:spcAft>
+              <a:buClr>
+                <a:schemeClr val="lt1"/>
+              </a:buClr>
+              <a:buSzPts val="1800"/>
+              <a:buFont typeface="Arial"/>
+              <a:buChar char="●"/>
+            </a:pPr>
+            <a:r>
+              <a:rPr lang="en" sz="1800" b="1" i="0" u="none" strike="noStrike" cap="none" dirty="0">
+                <a:solidFill>
+                  <a:schemeClr val="bg2"/>
+                </a:solidFill>
+                <a:latin typeface="Arial"/>
+                <a:ea typeface="Arial"/>
+                <a:cs typeface="Arial"/>
+                <a:sym typeface="Arial"/>
+              </a:rPr>
+              <a:t>Draw.io</a:t>
+            </a:r>
+            <a:endParaRPr sz="1800" b="1" i="0" u="none" strike="noStrike" cap="none" dirty="0">
+              <a:solidFill>
+                <a:schemeClr val="bg2"/>
+              </a:solidFill>
+              <a:latin typeface="Arial"/>
+              <a:ea typeface="Arial"/>
+              <a:cs typeface="Arial"/>
+              <a:sym typeface="Arial"/>
+            </a:endParaRPr>
+          </a:p>
+          <a:p>
+            <a:pPr marL="457200" marR="0" lvl="0" indent="-342900" algn="l" rtl="0">
+              <a:lnSpc>
+                <a:spcPct val="115000"/>
+              </a:lnSpc>
+              <a:spcBef>
+                <a:spcPts val="0"/>
+              </a:spcBef>
+              <a:spcAft>
+                <a:spcPts val="0"/>
+              </a:spcAft>
+              <a:buClr>
+                <a:schemeClr val="lt1"/>
+              </a:buClr>
+              <a:buSzPts val="1800"/>
+              <a:buFont typeface="Arial"/>
+              <a:buChar char="●"/>
+            </a:pPr>
+            <a:r>
+              <a:rPr lang="en" sz="1800" b="1" i="0" u="none" strike="noStrike" cap="none" dirty="0">
+                <a:solidFill>
+                  <a:schemeClr val="bg2"/>
+                </a:solidFill>
+                <a:latin typeface="Arial"/>
+                <a:ea typeface="Arial"/>
+                <a:cs typeface="Arial"/>
+                <a:sym typeface="Arial"/>
+              </a:rPr>
+              <a:t>Postman</a:t>
+            </a:r>
+            <a:endParaRPr dirty="0">
+              <a:solidFill>
+                <a:schemeClr val="bg2"/>
+              </a:solidFill>
+            </a:endParaRPr>
+          </a:p>
+          <a:p>
+            <a:pPr marL="457200" marR="0" lvl="0" indent="-342900" algn="l" rtl="0">
+              <a:lnSpc>
+                <a:spcPct val="115000"/>
+              </a:lnSpc>
+              <a:spcBef>
+                <a:spcPts val="0"/>
+              </a:spcBef>
+              <a:spcAft>
+                <a:spcPts val="0"/>
+              </a:spcAft>
+              <a:buClr>
+                <a:schemeClr val="lt1"/>
+              </a:buClr>
+              <a:buSzPts val="1800"/>
+              <a:buFont typeface="Arial"/>
+              <a:buChar char="●"/>
+            </a:pPr>
+            <a:r>
+              <a:rPr lang="en" sz="1800" b="1" i="0" u="none" strike="noStrike" cap="none" dirty="0">
+                <a:solidFill>
+                  <a:schemeClr val="bg2"/>
+                </a:solidFill>
+                <a:latin typeface="Arial"/>
+                <a:ea typeface="Arial"/>
+                <a:cs typeface="Arial"/>
+                <a:sym typeface="Arial"/>
+              </a:rPr>
+              <a:t>Lens</a:t>
+            </a:r>
+            <a:endParaRPr sz="1800" b="1" i="0" u="none" strike="noStrike" cap="none" dirty="0">
+              <a:solidFill>
+                <a:schemeClr val="bg2"/>
+              </a:solidFill>
+              <a:latin typeface="Arial"/>
+              <a:ea typeface="Arial"/>
+              <a:cs typeface="Arial"/>
+              <a:sym typeface="Arial"/>
+            </a:endParaRPr>
+          </a:p>
+          <a:p>
+            <a:pPr marL="457200" marR="0" lvl="0" indent="0" algn="l" rtl="0">
+              <a:lnSpc>
+                <a:spcPct val="115000"/>
+              </a:lnSpc>
+              <a:spcBef>
+                <a:spcPts val="1200"/>
+              </a:spcBef>
+              <a:spcAft>
+                <a:spcPts val="0"/>
+              </a:spcAft>
+              <a:buClr>
+                <a:srgbClr val="000000"/>
+              </a:buClr>
+              <a:buSzPts val="1800"/>
+              <a:buFont typeface="Arial"/>
+              <a:buNone/>
+            </a:pPr>
+            <a:endParaRPr sz="1800" b="1" i="0" u="none" strike="noStrike" cap="none" dirty="0">
               <a:solidFill>
                 <a:schemeClr val="lt1"/>
               </a:solidFill>
@@ -11305,7 +11781,7 @@
             </a:endParaRPr>
           </a:p>
           <a:p>
-            <a:pPr marL="457200" marR="0" lvl="0" indent="-342900" algn="l" rtl="0">
+            <a:pPr marL="0" marR="0" lvl="0" indent="0" algn="l" rtl="0">
               <a:lnSpc>
                 <a:spcPct val="115000"/>
               </a:lnSpc>
@@ -11316,417 +11792,13 @@
                 <a:spcPts val="0"/>
               </a:spcAft>
               <a:buClr>
-                <a:schemeClr val="lt1"/>
+                <a:srgbClr val="000000"/>
               </a:buClr>
               <a:buSzPts val="1800"/>
               <a:buFont typeface="Arial"/>
-              <a:buChar char="●"/>
+              <a:buNone/>
             </a:pPr>
-            <a:r>
-              <a:rPr lang="en" sz="1800" b="1" i="0" u="none" strike="noStrike" cap="none">
-                <a:solidFill>
-                  <a:schemeClr val="lt1"/>
-                </a:solidFill>
-                <a:latin typeface="Arial"/>
-                <a:ea typeface="Arial"/>
-                <a:cs typeface="Arial"/>
-                <a:sym typeface="Arial"/>
-              </a:rPr>
-              <a:t>Monitoring Grafana and Prometheus .</a:t>
-            </a:r>
-            <a:endParaRPr sz="1800" b="1" i="0" u="none" strike="noStrike" cap="none">
-              <a:solidFill>
-                <a:schemeClr val="lt1"/>
-              </a:solidFill>
-              <a:latin typeface="Arial"/>
-              <a:ea typeface="Arial"/>
-              <a:cs typeface="Arial"/>
-              <a:sym typeface="Arial"/>
-            </a:endParaRPr>
-          </a:p>
-          <a:p>
-            <a:pPr marL="457200" marR="0" lvl="0" indent="-342900" algn="l" rtl="0">
-              <a:lnSpc>
-                <a:spcPct val="115000"/>
-              </a:lnSpc>
-              <a:spcBef>
-                <a:spcPts val="0"/>
-              </a:spcBef>
-              <a:spcAft>
-                <a:spcPts val="0"/>
-              </a:spcAft>
-              <a:buClr>
-                <a:schemeClr val="lt1"/>
-              </a:buClr>
-              <a:buSzPts val="1800"/>
-              <a:buFont typeface="Arial"/>
-              <a:buChar char="●"/>
-            </a:pPr>
-            <a:r>
-              <a:rPr lang="en" sz="1800" b="1" i="0" u="none" strike="noStrike" cap="none">
-                <a:solidFill>
-                  <a:schemeClr val="lt1"/>
-                </a:solidFill>
-                <a:latin typeface="Arial"/>
-                <a:ea typeface="Arial"/>
-                <a:cs typeface="Arial"/>
-                <a:sym typeface="Arial"/>
-              </a:rPr>
-              <a:t>CI/CD  Jenkins and Github Action.</a:t>
-            </a:r>
-            <a:endParaRPr sz="1800" b="1" i="0" u="none" strike="noStrike" cap="none">
-              <a:solidFill>
-                <a:schemeClr val="lt1"/>
-              </a:solidFill>
-              <a:latin typeface="Arial"/>
-              <a:ea typeface="Arial"/>
-              <a:cs typeface="Arial"/>
-              <a:sym typeface="Arial"/>
-            </a:endParaRPr>
-          </a:p>
-          <a:p>
-            <a:pPr marL="457200" marR="0" lvl="0" indent="-342900" algn="l" rtl="0">
-              <a:lnSpc>
-                <a:spcPct val="115000"/>
-              </a:lnSpc>
-              <a:spcBef>
-                <a:spcPts val="0"/>
-              </a:spcBef>
-              <a:spcAft>
-                <a:spcPts val="0"/>
-              </a:spcAft>
-              <a:buClr>
-                <a:schemeClr val="lt1"/>
-              </a:buClr>
-              <a:buSzPts val="1800"/>
-              <a:buFont typeface="Arial"/>
-              <a:buChar char="●"/>
-            </a:pPr>
-            <a:r>
-              <a:rPr lang="en" sz="1800" b="1" i="0" u="none" strike="noStrike" cap="none">
-                <a:solidFill>
-                  <a:schemeClr val="lt1"/>
-                </a:solidFill>
-                <a:latin typeface="Arial"/>
-                <a:ea typeface="Arial"/>
-                <a:cs typeface="Arial"/>
-                <a:sym typeface="Arial"/>
-              </a:rPr>
-              <a:t>Argocd.</a:t>
-            </a:r>
-            <a:endParaRPr sz="1800" b="1" i="0" u="none" strike="noStrike" cap="none">
-              <a:solidFill>
-                <a:schemeClr val="lt1"/>
-              </a:solidFill>
-              <a:latin typeface="Arial"/>
-              <a:ea typeface="Arial"/>
-              <a:cs typeface="Arial"/>
-              <a:sym typeface="Arial"/>
-            </a:endParaRPr>
-          </a:p>
-          <a:p>
-            <a:pPr marL="457200" marR="0" lvl="0" indent="-342900" algn="l" rtl="0">
-              <a:lnSpc>
-                <a:spcPct val="115000"/>
-              </a:lnSpc>
-              <a:spcBef>
-                <a:spcPts val="0"/>
-              </a:spcBef>
-              <a:spcAft>
-                <a:spcPts val="0"/>
-              </a:spcAft>
-              <a:buClr>
-                <a:schemeClr val="lt1"/>
-              </a:buClr>
-              <a:buSzPts val="1800"/>
-              <a:buFont typeface="Arial"/>
-              <a:buChar char="●"/>
-            </a:pPr>
-            <a:r>
-              <a:rPr lang="en" sz="1800" b="1" i="0" u="none" strike="noStrike" cap="none">
-                <a:solidFill>
-                  <a:schemeClr val="lt1"/>
-                </a:solidFill>
-                <a:latin typeface="Arial"/>
-                <a:ea typeface="Arial"/>
-                <a:cs typeface="Arial"/>
-                <a:sym typeface="Arial"/>
-              </a:rPr>
-              <a:t>MobaXterm</a:t>
-            </a:r>
-            <a:endParaRPr sz="1800" b="1" i="0" u="none" strike="noStrike" cap="none">
-              <a:solidFill>
-                <a:schemeClr val="lt1"/>
-              </a:solidFill>
-              <a:latin typeface="Arial"/>
-              <a:ea typeface="Arial"/>
-              <a:cs typeface="Arial"/>
-              <a:sym typeface="Arial"/>
-            </a:endParaRPr>
-          </a:p>
-          <a:p>
-            <a:pPr marL="457200" marR="0" lvl="0" indent="-342900" algn="l" rtl="0">
-              <a:lnSpc>
-                <a:spcPct val="115000"/>
-              </a:lnSpc>
-              <a:spcBef>
-                <a:spcPts val="0"/>
-              </a:spcBef>
-              <a:spcAft>
-                <a:spcPts val="0"/>
-              </a:spcAft>
-              <a:buClr>
-                <a:schemeClr val="lt1"/>
-              </a:buClr>
-              <a:buSzPts val="1800"/>
-              <a:buFont typeface="Arial"/>
-              <a:buChar char="●"/>
-            </a:pPr>
-            <a:r>
-              <a:rPr lang="en" sz="1800" b="1" i="0" u="none" strike="noStrike" cap="none">
-                <a:solidFill>
-                  <a:schemeClr val="lt1"/>
-                </a:solidFill>
-                <a:latin typeface="Arial"/>
-                <a:ea typeface="Arial"/>
-                <a:cs typeface="Arial"/>
-                <a:sym typeface="Arial"/>
-              </a:rPr>
-              <a:t>Kubectl CLI</a:t>
-            </a:r>
-            <a:endParaRPr sz="1800" b="1" i="0" u="none" strike="noStrike" cap="none">
-              <a:solidFill>
-                <a:schemeClr val="lt1"/>
-              </a:solidFill>
-              <a:latin typeface="Arial"/>
-              <a:ea typeface="Arial"/>
-              <a:cs typeface="Arial"/>
-              <a:sym typeface="Arial"/>
-            </a:endParaRPr>
-          </a:p>
-          <a:p>
-            <a:pPr marL="457200" marR="0" lvl="0" indent="-342900" algn="l" rtl="0">
-              <a:lnSpc>
-                <a:spcPct val="115000"/>
-              </a:lnSpc>
-              <a:spcBef>
-                <a:spcPts val="0"/>
-              </a:spcBef>
-              <a:spcAft>
-                <a:spcPts val="0"/>
-              </a:spcAft>
-              <a:buClr>
-                <a:schemeClr val="lt1"/>
-              </a:buClr>
-              <a:buSzPts val="1800"/>
-              <a:buFont typeface="Arial"/>
-              <a:buChar char="●"/>
-            </a:pPr>
-            <a:r>
-              <a:rPr lang="en" sz="1800" b="1" i="0" u="none" strike="noStrike" cap="none">
-                <a:solidFill>
-                  <a:schemeClr val="lt1"/>
-                </a:solidFill>
-                <a:latin typeface="Arial"/>
-                <a:ea typeface="Arial"/>
-                <a:cs typeface="Arial"/>
-                <a:sym typeface="Arial"/>
-              </a:rPr>
-              <a:t>Aws CLI</a:t>
-            </a:r>
-            <a:endParaRPr sz="1800" b="1" i="0" u="none" strike="noStrike" cap="none">
-              <a:solidFill>
-                <a:schemeClr val="lt1"/>
-              </a:solidFill>
-              <a:latin typeface="Arial"/>
-              <a:ea typeface="Arial"/>
-              <a:cs typeface="Arial"/>
-              <a:sym typeface="Arial"/>
-            </a:endParaRPr>
-          </a:p>
-          <a:p>
-            <a:pPr marL="457200" marR="0" lvl="0" indent="-342900" algn="l" rtl="0">
-              <a:lnSpc>
-                <a:spcPct val="115000"/>
-              </a:lnSpc>
-              <a:spcBef>
-                <a:spcPts val="0"/>
-              </a:spcBef>
-              <a:spcAft>
-                <a:spcPts val="0"/>
-              </a:spcAft>
-              <a:buClr>
-                <a:schemeClr val="lt1"/>
-              </a:buClr>
-              <a:buSzPts val="1800"/>
-              <a:buFont typeface="Arial"/>
-              <a:buChar char="●"/>
-            </a:pPr>
-            <a:r>
-              <a:rPr lang="en" sz="1800" b="1" i="0" u="none" strike="noStrike" cap="none">
-                <a:solidFill>
-                  <a:schemeClr val="lt1"/>
-                </a:solidFill>
-                <a:latin typeface="Arial"/>
-                <a:ea typeface="Arial"/>
-                <a:cs typeface="Arial"/>
-                <a:sym typeface="Arial"/>
-              </a:rPr>
-              <a:t>Windows with wsl ubuntu</a:t>
-            </a:r>
-            <a:endParaRPr sz="1800" b="1" i="0" u="none" strike="noStrike" cap="none">
-              <a:solidFill>
-                <a:schemeClr val="lt1"/>
-              </a:solidFill>
-              <a:latin typeface="Arial"/>
-              <a:ea typeface="Arial"/>
-              <a:cs typeface="Arial"/>
-              <a:sym typeface="Arial"/>
-            </a:endParaRPr>
-          </a:p>
-          <a:p>
-            <a:pPr marL="457200" marR="0" lvl="0" indent="-342900" algn="l" rtl="0">
-              <a:lnSpc>
-                <a:spcPct val="115000"/>
-              </a:lnSpc>
-              <a:spcBef>
-                <a:spcPts val="0"/>
-              </a:spcBef>
-              <a:spcAft>
-                <a:spcPts val="0"/>
-              </a:spcAft>
-              <a:buClr>
-                <a:schemeClr val="lt1"/>
-              </a:buClr>
-              <a:buSzPts val="1800"/>
-              <a:buFont typeface="Arial"/>
-              <a:buChar char="●"/>
-            </a:pPr>
-            <a:r>
-              <a:rPr lang="en" sz="1800" b="1" i="0" u="none" strike="noStrike" cap="none">
-                <a:solidFill>
-                  <a:schemeClr val="lt1"/>
-                </a:solidFill>
-                <a:latin typeface="Arial"/>
-                <a:ea typeface="Arial"/>
-                <a:cs typeface="Arial"/>
-                <a:sym typeface="Arial"/>
-              </a:rPr>
-              <a:t>Git Bash</a:t>
-            </a:r>
-            <a:endParaRPr sz="1800" b="1" i="0" u="none" strike="noStrike" cap="none">
-              <a:solidFill>
-                <a:schemeClr val="lt1"/>
-              </a:solidFill>
-              <a:latin typeface="Arial"/>
-              <a:ea typeface="Arial"/>
-              <a:cs typeface="Arial"/>
-              <a:sym typeface="Arial"/>
-            </a:endParaRPr>
-          </a:p>
-          <a:p>
-            <a:pPr marL="457200" marR="0" lvl="0" indent="-342900" algn="l" rtl="0">
-              <a:lnSpc>
-                <a:spcPct val="115000"/>
-              </a:lnSpc>
-              <a:spcBef>
-                <a:spcPts val="0"/>
-              </a:spcBef>
-              <a:spcAft>
-                <a:spcPts val="0"/>
-              </a:spcAft>
-              <a:buClr>
-                <a:schemeClr val="lt1"/>
-              </a:buClr>
-              <a:buSzPts val="1800"/>
-              <a:buFont typeface="Arial"/>
-              <a:buChar char="●"/>
-            </a:pPr>
-            <a:r>
-              <a:rPr lang="en" sz="1800" b="1" i="0" u="none" strike="noStrike" cap="none">
-                <a:solidFill>
-                  <a:schemeClr val="lt1"/>
-                </a:solidFill>
-                <a:latin typeface="Arial"/>
-                <a:ea typeface="Arial"/>
-                <a:cs typeface="Arial"/>
-                <a:sym typeface="Arial"/>
-              </a:rPr>
-              <a:t>Draw.io</a:t>
-            </a:r>
-            <a:endParaRPr sz="1800" b="1" i="0" u="none" strike="noStrike" cap="none">
-              <a:solidFill>
-                <a:schemeClr val="lt1"/>
-              </a:solidFill>
-              <a:latin typeface="Arial"/>
-              <a:ea typeface="Arial"/>
-              <a:cs typeface="Arial"/>
-              <a:sym typeface="Arial"/>
-            </a:endParaRPr>
-          </a:p>
-          <a:p>
-            <a:pPr marL="457200" marR="0" lvl="0" indent="-342900" algn="l" rtl="0">
-              <a:lnSpc>
-                <a:spcPct val="115000"/>
-              </a:lnSpc>
-              <a:spcBef>
-                <a:spcPts val="0"/>
-              </a:spcBef>
-              <a:spcAft>
-                <a:spcPts val="0"/>
-              </a:spcAft>
-              <a:buClr>
-                <a:schemeClr val="lt1"/>
-              </a:buClr>
-              <a:buSzPts val="1800"/>
-              <a:buFont typeface="Arial"/>
-              <a:buChar char="●"/>
-            </a:pPr>
-            <a:r>
-              <a:rPr lang="en" sz="1800" b="1" i="0" u="none" strike="noStrike" cap="none">
-                <a:solidFill>
-                  <a:schemeClr val="lt1"/>
-                </a:solidFill>
-                <a:latin typeface="Arial"/>
-                <a:ea typeface="Arial"/>
-                <a:cs typeface="Arial"/>
-                <a:sym typeface="Arial"/>
-              </a:rPr>
-              <a:t>Postman</a:t>
-            </a:r>
-            <a:endParaRPr/>
-          </a:p>
-          <a:p>
-            <a:pPr marL="457200" marR="0" lvl="0" indent="-342900" algn="l" rtl="0">
-              <a:lnSpc>
-                <a:spcPct val="115000"/>
-              </a:lnSpc>
-              <a:spcBef>
-                <a:spcPts val="0"/>
-              </a:spcBef>
-              <a:spcAft>
-                <a:spcPts val="0"/>
-              </a:spcAft>
-              <a:buClr>
-                <a:schemeClr val="lt1"/>
-              </a:buClr>
-              <a:buSzPts val="1800"/>
-              <a:buFont typeface="Arial"/>
-              <a:buChar char="●"/>
-            </a:pPr>
-            <a:r>
-              <a:rPr lang="en" sz="1800" b="1" i="0" u="none" strike="noStrike" cap="none">
-                <a:solidFill>
-                  <a:schemeClr val="lt1"/>
-                </a:solidFill>
-                <a:latin typeface="Arial"/>
-                <a:ea typeface="Arial"/>
-                <a:cs typeface="Arial"/>
-                <a:sym typeface="Arial"/>
-              </a:rPr>
-              <a:t>Lens</a:t>
-            </a:r>
-            <a:endParaRPr sz="1800" b="1" i="0" u="none" strike="noStrike" cap="none">
+            <a:endParaRPr sz="1800" b="1" i="0" u="none" strike="noStrike" cap="none" dirty="0">
               <a:solidFill>
                 <a:schemeClr val="lt1"/>
               </a:solidFill>
@@ -11754,35 +11826,7 @@
               <a:buFont typeface="Arial"/>
               <a:buNone/>
             </a:pPr>
-            <a:endParaRPr sz="1800" b="1" i="0" u="none" strike="noStrike" cap="none">
-              <a:solidFill>
-                <a:schemeClr val="lt1"/>
-              </a:solidFill>
-              <a:latin typeface="Arial"/>
-              <a:ea typeface="Arial"/>
-              <a:cs typeface="Arial"/>
-              <a:sym typeface="Arial"/>
-            </a:endParaRPr>
-          </a:p>
-          <a:p>
-            <a:pPr marL="0" marR="0" lvl="0" indent="0" algn="l" rtl="0">
-              <a:lnSpc>
-                <a:spcPct val="115000"/>
-              </a:lnSpc>
-              <a:spcBef>
-                <a:spcPts val="1200"/>
-              </a:spcBef>
-              <a:spcAft>
-                <a:spcPts val="0"/>
-              </a:spcAft>
-              <a:buClr>
-                <a:srgbClr val="000000"/>
-              </a:buClr>
-              <a:buSzPts val="1800"/>
-              <a:buFont typeface="Arial"/>
-              <a:buNone/>
-            </a:pPr>
-            <a:endParaRPr sz="1800" b="1" i="0" u="none" strike="noStrike" cap="none">
+            <a:endParaRPr sz="1800" b="1" i="0" u="none" strike="noStrike" cap="none" dirty="0">
               <a:solidFill>
                 <a:schemeClr val="lt1"/>
               </a:solidFill>
@@ -11801,7 +11845,7 @@
                 <a:spcPts val="1200"/>
               </a:spcBef>
               <a:spcAft>
-                <a:spcPts val="0"/>
+                <a:spcPts val="1200"/>
               </a:spcAft>
               <a:buClr>
                 <a:srgbClr val="000000"/>
@@ -11810,35 +11854,7 @@
               <a:buFont typeface="Arial"/>
               <a:buNone/>
             </a:pPr>
-            <a:endParaRPr sz="1800" b="1" i="0" u="none" strike="noStrike" cap="none">
-              <a:solidFill>
-                <a:schemeClr val="lt1"/>
-              </a:solidFill>
-              <a:latin typeface="Arial"/>
-              <a:ea typeface="Arial"/>
-              <a:cs typeface="Arial"/>
-              <a:sym typeface="Arial"/>
-            </a:endParaRPr>
-          </a:p>
-          <a:p>
-            <a:pPr marL="457200" marR="0" lvl="0" indent="0" algn="l" rtl="0">
-              <a:lnSpc>
-                <a:spcPct val="115000"/>
-              </a:lnSpc>
-              <a:spcBef>
-                <a:spcPts val="1200"/>
-              </a:spcBef>
-              <a:spcAft>
-                <a:spcPts val="1200"/>
-              </a:spcAft>
-              <a:buClr>
-                <a:srgbClr val="000000"/>
-              </a:buClr>
-              <a:buSzPts val="1800"/>
-              <a:buFont typeface="Arial"/>
-              <a:buNone/>
-            </a:pPr>
-            <a:endParaRPr sz="1800" b="1" i="0" u="none" strike="noStrike" cap="none">
+            <a:endParaRPr sz="1800" b="1" i="0" u="none" strike="noStrike" cap="none" dirty="0">
               <a:solidFill>
                 <a:schemeClr val="lt1"/>
               </a:solidFill>
@@ -11864,7 +11880,7 @@
     <p:bg>
       <p:bgPr>
         <a:solidFill>
-          <a:schemeClr val="accent1"/>
+          <a:schemeClr val="bg1"/>
         </a:solidFill>
         <a:effectLst/>
       </p:bgPr>
@@ -11921,9 +11937,9 @@
               <a:buNone/>
             </a:pPr>
             <a:r>
-              <a:rPr lang="en" sz="3200" b="1">
-                <a:solidFill>
-                  <a:schemeClr val="lt1"/>
+              <a:rPr lang="en" sz="3200" b="1" dirty="0">
+                <a:solidFill>
+                  <a:schemeClr val="bg2"/>
                 </a:solidFill>
                 <a:latin typeface="Lato"/>
                 <a:ea typeface="Lato"/>
@@ -11932,7 +11948,65 @@
               </a:rPr>
               <a:t>End of the Presentation</a:t>
             </a:r>
-            <a:endParaRPr sz="3200" b="1">
+            <a:endParaRPr sz="3200" b="1" dirty="0">
+              <a:solidFill>
+                <a:schemeClr val="bg2"/>
+              </a:solidFill>
+              <a:latin typeface="Lato"/>
+              <a:ea typeface="Lato"/>
+              <a:cs typeface="Lato"/>
+              <a:sym typeface="Lato"/>
+            </a:endParaRPr>
+          </a:p>
+          <a:p>
+            <a:pPr marL="0" marR="0" lvl="0" indent="0" algn="ctr" rtl="0">
+              <a:lnSpc>
+                <a:spcPct val="115000"/>
+              </a:lnSpc>
+              <a:spcBef>
+                <a:spcPts val="0"/>
+              </a:spcBef>
+              <a:spcAft>
+                <a:spcPts val="0"/>
+              </a:spcAft>
+              <a:buNone/>
+            </a:pPr>
+            <a:r>
+              <a:rPr lang="en" sz="3200" b="1" dirty="0">
+                <a:solidFill>
+                  <a:schemeClr val="bg2"/>
+                </a:solidFill>
+                <a:latin typeface="Lato"/>
+                <a:ea typeface="Lato"/>
+                <a:cs typeface="Lato"/>
+                <a:sym typeface="Lato"/>
+              </a:rPr>
+              <a:t>Thank all</a:t>
+            </a:r>
+            <a:endParaRPr sz="3200" b="1" dirty="0">
+              <a:solidFill>
+                <a:schemeClr val="bg2"/>
+              </a:solidFill>
+              <a:latin typeface="Lato"/>
+              <a:ea typeface="Lato"/>
+              <a:cs typeface="Lato"/>
+              <a:sym typeface="Lato"/>
+            </a:endParaRPr>
+          </a:p>
+          <a:p>
+            <a:pPr marL="0" marR="0" lvl="0" indent="0" algn="ctr" rtl="0">
+              <a:lnSpc>
+                <a:spcPct val="115000"/>
+              </a:lnSpc>
+              <a:spcBef>
+                <a:spcPts val="0"/>
+              </a:spcBef>
+              <a:spcAft>
+                <a:spcPts val="0"/>
+              </a:spcAft>
+              <a:buNone/>
+            </a:pPr>
+            <a:endParaRPr sz="3200" b="1" dirty="0">
               <a:solidFill>
                 <a:schemeClr val="lt1"/>
               </a:solidFill>
@@ -11955,65 +12029,7 @@
               </a:spcAft>
               <a:buNone/>
             </a:pPr>
-            <a:r>
-              <a:rPr lang="en" sz="3200" b="1">
-                <a:solidFill>
-                  <a:schemeClr val="lt1"/>
-                </a:solidFill>
-                <a:latin typeface="Lato"/>
-                <a:ea typeface="Lato"/>
-                <a:cs typeface="Lato"/>
-                <a:sym typeface="Lato"/>
-              </a:rPr>
-              <a:t>Thank all</a:t>
-            </a:r>
-            <a:endParaRPr sz="3200" b="1">
-              <a:solidFill>
-                <a:schemeClr val="lt1"/>
-              </a:solidFill>
-              <a:latin typeface="Lato"/>
-              <a:ea typeface="Lato"/>
-              <a:cs typeface="Lato"/>
-              <a:sym typeface="Lato"/>
-            </a:endParaRPr>
-          </a:p>
-          <a:p>
-            <a:pPr marL="0" marR="0" lvl="0" indent="0" algn="ctr" rtl="0">
-              <a:lnSpc>
-                <a:spcPct val="115000"/>
-              </a:lnSpc>
-              <a:spcBef>
-                <a:spcPts val="0"/>
-              </a:spcBef>
-              <a:spcAft>
-                <a:spcPts val="0"/>
-              </a:spcAft>
-              <a:buNone/>
-            </a:pPr>
-            <a:endParaRPr sz="3200" b="1">
-              <a:solidFill>
-                <a:schemeClr val="lt1"/>
-              </a:solidFill>
-              <a:latin typeface="Lato"/>
-              <a:ea typeface="Lato"/>
-              <a:cs typeface="Lato"/>
-              <a:sym typeface="Lato"/>
-            </a:endParaRPr>
-          </a:p>
-          <a:p>
-            <a:pPr marL="0" marR="0" lvl="0" indent="0" algn="ctr" rtl="0">
-              <a:lnSpc>
-                <a:spcPct val="115000"/>
-              </a:lnSpc>
-              <a:spcBef>
-                <a:spcPts val="0"/>
-              </a:spcBef>
-              <a:spcAft>
-                <a:spcPts val="0"/>
-              </a:spcAft>
-              <a:buNone/>
-            </a:pPr>
-            <a:endParaRPr sz="3200" b="1">
+            <a:endParaRPr sz="3200" b="1" dirty="0">
               <a:solidFill>
                 <a:schemeClr val="lt1"/>
               </a:solidFill>
@@ -12036,7 +12052,7 @@
               </a:spcAft>
               <a:buNone/>
             </a:pPr>
-            <a:endParaRPr sz="3200" b="1">
+            <a:endParaRPr sz="3200" b="1" dirty="0">
               <a:solidFill>
                 <a:schemeClr val="lt1"/>
               </a:solidFill>
@@ -12059,7 +12075,7 @@
               </a:spcAft>
               <a:buNone/>
             </a:pPr>
-            <a:endParaRPr sz="3200" b="1">
+            <a:endParaRPr sz="3200" b="1" dirty="0">
               <a:solidFill>
                 <a:schemeClr val="lt1"/>
               </a:solidFill>
@@ -12087,7 +12103,7 @@
               <a:buFont typeface="Arial"/>
               <a:buNone/>
             </a:pPr>
-            <a:endParaRPr sz="1800" b="1" i="0" u="none" strike="noStrike" cap="none">
+            <a:endParaRPr sz="1800" b="1" i="0" u="none" strike="noStrike" cap="none" dirty="0">
               <a:solidFill>
                 <a:schemeClr val="lt1"/>
               </a:solidFill>
@@ -12115,7 +12131,7 @@
               <a:buFont typeface="Arial"/>
               <a:buNone/>
             </a:pPr>
-            <a:endParaRPr sz="1800" b="1" i="0" u="none" strike="noStrike" cap="none">
+            <a:endParaRPr sz="1800" b="1" i="0" u="none" strike="noStrike" cap="none" dirty="0">
               <a:solidFill>
                 <a:schemeClr val="lt1"/>
               </a:solidFill>
@@ -12143,7 +12159,7 @@
               <a:buFont typeface="Arial"/>
               <a:buNone/>
             </a:pPr>
-            <a:endParaRPr sz="1800" b="1" i="0" u="none" strike="noStrike" cap="none">
+            <a:endParaRPr sz="1800" b="1" i="0" u="none" strike="noStrike" cap="none" dirty="0">
               <a:solidFill>
                 <a:schemeClr val="lt1"/>
               </a:solidFill>
@@ -12171,7 +12187,7 @@
               <a:buFont typeface="Arial"/>
               <a:buNone/>
             </a:pPr>
-            <a:endParaRPr sz="1800" b="1" i="0" u="none" strike="noStrike" cap="none">
+            <a:endParaRPr sz="1800" b="1" i="0" u="none" strike="noStrike" cap="none" dirty="0">
               <a:solidFill>
                 <a:schemeClr val="lt1"/>
               </a:solidFill>
@@ -12225,7 +12241,7 @@
     <p:bg>
       <p:bgPr>
         <a:solidFill>
-          <a:schemeClr val="accent1"/>
+          <a:schemeClr val="bg1"/>
         </a:solidFill>
         <a:effectLst/>
       </p:bgPr>
@@ -12287,16 +12303,16 @@
               <a:buNone/>
             </a:pPr>
             <a:r>
-              <a:rPr lang="en" sz="3600" u="sng">
-                <a:solidFill>
-                  <a:schemeClr val="lt1"/>
+              <a:rPr lang="en" sz="3600" u="sng" dirty="0">
+                <a:solidFill>
+                  <a:schemeClr val="bg2"/>
                 </a:solidFill>
               </a:rPr>
               <a:t>Thank You Letter</a:t>
             </a:r>
-            <a:endParaRPr sz="2400" u="sng">
+            <a:endParaRPr sz="2400" u="sng" dirty="0">
               <a:solidFill>
-                <a:schemeClr val="lt1"/>
+                <a:schemeClr val="bg2"/>
               </a:solidFill>
             </a:endParaRPr>
           </a:p>
@@ -12349,9 +12365,9 @@
               <a:buNone/>
             </a:pPr>
             <a:r>
-              <a:rPr lang="en" sz="1300">
-                <a:solidFill>
-                  <a:schemeClr val="lt1"/>
+              <a:rPr lang="en" sz="1300" dirty="0">
+                <a:solidFill>
+                  <a:schemeClr val="bg2"/>
                 </a:solidFill>
                 <a:latin typeface="Arial"/>
                 <a:ea typeface="Arial"/>
@@ -12360,9 +12376,9 @@
               </a:rPr>
               <a:t>I would like to extend my heartfelt thanks to the following individuals and organizations who have supported me throughout this project:</a:t>
             </a:r>
-            <a:endParaRPr sz="1300">
+            <a:endParaRPr sz="1300" dirty="0">
               <a:solidFill>
-                <a:schemeClr val="lt1"/>
+                <a:schemeClr val="bg2"/>
               </a:solidFill>
               <a:latin typeface="Arial"/>
               <a:ea typeface="Arial"/>
@@ -12389,9 +12405,9 @@
               <a:buChar char="●"/>
             </a:pPr>
             <a:r>
-              <a:rPr lang="en" sz="1500">
-                <a:solidFill>
-                  <a:schemeClr val="lt1"/>
+              <a:rPr lang="en" sz="1500" dirty="0">
+                <a:solidFill>
+                  <a:schemeClr val="bg2"/>
                 </a:solidFill>
                 <a:latin typeface="Arial"/>
                 <a:ea typeface="Arial"/>
@@ -12401,9 +12417,9 @@
               <a:t>My wife and family:</a:t>
             </a:r>
             <a:r>
-              <a:rPr lang="en" sz="1300">
-                <a:solidFill>
-                  <a:schemeClr val="lt1"/>
+              <a:rPr lang="en" sz="1300" dirty="0">
+                <a:solidFill>
+                  <a:schemeClr val="bg2"/>
                 </a:solidFill>
                 <a:latin typeface="Arial"/>
                 <a:ea typeface="Arial"/>
@@ -12412,9 +12428,9 @@
               </a:rPr>
               <a:t> For their unwavering support and understanding.</a:t>
             </a:r>
-            <a:endParaRPr sz="1300">
+            <a:endParaRPr sz="1300" dirty="0">
               <a:solidFill>
-                <a:schemeClr val="lt1"/>
+                <a:schemeClr val="bg2"/>
               </a:solidFill>
               <a:latin typeface="Arial"/>
               <a:ea typeface="Arial"/>
@@ -12441,9 +12457,9 @@
               <a:buChar char="●"/>
             </a:pPr>
             <a:r>
-              <a:rPr lang="en" sz="1500">
-                <a:solidFill>
-                  <a:schemeClr val="lt1"/>
+              <a:rPr lang="en" sz="1500" dirty="0">
+                <a:solidFill>
+                  <a:schemeClr val="bg2"/>
                 </a:solidFill>
                 <a:latin typeface="Arial"/>
                 <a:ea typeface="Arial"/>
@@ -12453,9 +12469,9 @@
               <a:t>Ministry of Employment:</a:t>
             </a:r>
             <a:r>
-              <a:rPr lang="en" sz="1300">
-                <a:solidFill>
-                  <a:schemeClr val="lt1"/>
+              <a:rPr lang="en" sz="1300" dirty="0">
+                <a:solidFill>
+                  <a:schemeClr val="bg2"/>
                 </a:solidFill>
                 <a:latin typeface="Arial"/>
                 <a:ea typeface="Arial"/>
@@ -12464,9 +12480,9 @@
               </a:rPr>
               <a:t> For providing the resources and opportunities to pursue this project.</a:t>
             </a:r>
-            <a:endParaRPr sz="1300">
+            <a:endParaRPr sz="1300" dirty="0">
               <a:solidFill>
-                <a:schemeClr val="lt1"/>
+                <a:schemeClr val="bg2"/>
               </a:solidFill>
               <a:latin typeface="Arial"/>
               <a:ea typeface="Arial"/>
@@ -12493,9 +12509,9 @@
               <a:buChar char="●"/>
             </a:pPr>
             <a:r>
-              <a:rPr lang="en" sz="1500">
-                <a:solidFill>
-                  <a:schemeClr val="lt1"/>
+              <a:rPr lang="en" sz="1500" dirty="0">
+                <a:solidFill>
+                  <a:schemeClr val="bg2"/>
                 </a:solidFill>
                 <a:latin typeface="Arial"/>
                 <a:ea typeface="Arial"/>
@@ -12505,9 +12521,9 @@
               <a:t>Administration of the College Atech:</a:t>
             </a:r>
             <a:r>
-              <a:rPr lang="en" sz="1500" b="0">
-                <a:solidFill>
-                  <a:schemeClr val="lt1"/>
+              <a:rPr lang="en" sz="1500" b="0" dirty="0">
+                <a:solidFill>
+                  <a:schemeClr val="bg2"/>
                 </a:solidFill>
                 <a:latin typeface="Arial"/>
                 <a:ea typeface="Arial"/>
@@ -12517,9 +12533,9 @@
               <a:t> </a:t>
             </a:r>
             <a:r>
-              <a:rPr lang="en" sz="1300">
-                <a:solidFill>
-                  <a:schemeClr val="lt1"/>
+              <a:rPr lang="en" sz="1300" dirty="0">
+                <a:solidFill>
+                  <a:schemeClr val="bg2"/>
                 </a:solidFill>
                 <a:latin typeface="Arial"/>
                 <a:ea typeface="Arial"/>
@@ -12528,9 +12544,9 @@
               </a:rPr>
               <a:t>For their continuous support and guidance.</a:t>
             </a:r>
-            <a:endParaRPr sz="1300">
+            <a:endParaRPr sz="1300" dirty="0">
               <a:solidFill>
-                <a:schemeClr val="lt1"/>
+                <a:schemeClr val="bg2"/>
               </a:solidFill>
               <a:latin typeface="Arial"/>
               <a:ea typeface="Arial"/>
@@ -12557,9 +12573,9 @@
               <a:buChar char="●"/>
             </a:pPr>
             <a:r>
-              <a:rPr lang="en" sz="1500">
-                <a:solidFill>
-                  <a:schemeClr val="lt1"/>
+              <a:rPr lang="en" sz="1500" dirty="0">
+                <a:solidFill>
+                  <a:schemeClr val="bg2"/>
                 </a:solidFill>
                 <a:latin typeface="Arial"/>
                 <a:ea typeface="Arial"/>
@@ -12568,9 +12584,9 @@
               </a:rPr>
               <a:t>Teacher Alexey Mihaylov: For his invaluable teaching and mentorship.</a:t>
             </a:r>
-            <a:endParaRPr sz="1500">
+            <a:endParaRPr sz="1500" dirty="0">
               <a:solidFill>
-                <a:schemeClr val="lt1"/>
+                <a:schemeClr val="bg2"/>
               </a:solidFill>
               <a:latin typeface="Arial"/>
               <a:ea typeface="Arial"/>
@@ -12597,9 +12613,9 @@
               <a:buChar char="●"/>
             </a:pPr>
             <a:r>
-              <a:rPr lang="en" sz="1500">
-                <a:solidFill>
-                  <a:schemeClr val="lt1"/>
+              <a:rPr lang="en" sz="1500" dirty="0">
+                <a:solidFill>
+                  <a:schemeClr val="bg2"/>
                 </a:solidFill>
                 <a:latin typeface="Arial"/>
                 <a:ea typeface="Arial"/>
@@ -12608,9 +12624,9 @@
               </a:rPr>
               <a:t>Student Abed Gzmawe: For his collaboration and assistance.</a:t>
             </a:r>
-            <a:endParaRPr sz="1500">
+            <a:endParaRPr sz="1500" dirty="0">
               <a:solidFill>
-                <a:schemeClr val="lt1"/>
+                <a:schemeClr val="bg2"/>
               </a:solidFill>
               <a:latin typeface="Arial"/>
               <a:ea typeface="Arial"/>
@@ -12632,7 +12648,7 @@
               <a:buSzPts val="3000"/>
               <a:buNone/>
             </a:pPr>
-            <a:endParaRPr sz="1800" b="0">
+            <a:endParaRPr sz="1800" b="0" dirty="0">
               <a:latin typeface="Lato"/>
               <a:ea typeface="Lato"/>
               <a:cs typeface="Lato"/>
@@ -12641,6 +12657,180 @@
           </a:p>
         </p:txBody>
       </p:sp>
+      <p:pic>
+        <p:nvPicPr>
+          <p:cNvPr id="2052" name="Picture 4" descr="Image result for thank images">
+            <a:extLst>
+              <a:ext uri="{FF2B5EF4-FFF2-40B4-BE49-F238E27FC236}">
+                <a16:creationId xmlns:a16="http://schemas.microsoft.com/office/drawing/2014/main" id="{C667425D-7EEA-9B65-F9D1-EDAD8106B743}"/>
+              </a:ext>
+            </a:extLst>
+          </p:cNvPr>
+          <p:cNvPicPr>
+            <a:picLocks noChangeAspect="1" noChangeArrowheads="1"/>
+          </p:cNvPicPr>
+          <p:nvPr/>
+        </p:nvPicPr>
+        <p:blipFill>
+          <a:blip r:embed="rId3">
+            <a:extLst>
+              <a:ext uri="{28A0092B-C50C-407E-A947-70E740481C1C}">
+                <a14:useLocalDpi xmlns:a14="http://schemas.microsoft.com/office/drawing/2010/main" val="0"/>
+              </a:ext>
+            </a:extLst>
+          </a:blip>
+          <a:srcRect/>
+          <a:stretch>
+            <a:fillRect/>
+          </a:stretch>
+        </p:blipFill>
+        <p:spPr bwMode="auto">
+          <a:xfrm>
+            <a:off x="5876925" y="0"/>
+            <a:ext cx="3267075" cy="1533832"/>
+          </a:xfrm>
+          <a:prstGeom prst="rect">
+            <a:avLst/>
+          </a:prstGeom>
+          <a:noFill/>
+          <a:extLst>
+            <a:ext uri="{909E8E84-426E-40DD-AFC4-6F175D3DCCD1}">
+              <a14:hiddenFill xmlns:a14="http://schemas.microsoft.com/office/drawing/2010/main">
+                <a:solidFill>
+                  <a:srgbClr val="FFFFFF"/>
+                </a:solidFill>
+              </a14:hiddenFill>
+            </a:ext>
+          </a:extLst>
+        </p:spPr>
+      </p:pic>
+      <p:pic>
+        <p:nvPicPr>
+          <p:cNvPr id="2054" name="Picture 6" descr="Image result for thank images">
+            <a:extLst>
+              <a:ext uri="{FF2B5EF4-FFF2-40B4-BE49-F238E27FC236}">
+                <a16:creationId xmlns:a16="http://schemas.microsoft.com/office/drawing/2014/main" id="{72D97A3A-0816-5D06-A8DD-67091E66C6C8}"/>
+              </a:ext>
+            </a:extLst>
+          </p:cNvPr>
+          <p:cNvPicPr>
+            <a:picLocks noChangeAspect="1" noChangeArrowheads="1"/>
+          </p:cNvPicPr>
+          <p:nvPr/>
+        </p:nvPicPr>
+        <p:blipFill>
+          <a:blip r:embed="rId4">
+            <a:extLst>
+              <a:ext uri="{28A0092B-C50C-407E-A947-70E740481C1C}">
+                <a14:useLocalDpi xmlns:a14="http://schemas.microsoft.com/office/drawing/2010/main" val="0"/>
+              </a:ext>
+            </a:extLst>
+          </a:blip>
+          <a:srcRect/>
+          <a:stretch>
+            <a:fillRect/>
+          </a:stretch>
+        </p:blipFill>
+        <p:spPr bwMode="auto">
+          <a:xfrm>
+            <a:off x="0" y="3650225"/>
+            <a:ext cx="1962150" cy="1333807"/>
+          </a:xfrm>
+          <a:prstGeom prst="rect">
+            <a:avLst/>
+          </a:prstGeom>
+          <a:noFill/>
+          <a:extLst>
+            <a:ext uri="{909E8E84-426E-40DD-AFC4-6F175D3DCCD1}">
+              <a14:hiddenFill xmlns:a14="http://schemas.microsoft.com/office/drawing/2010/main">
+                <a:solidFill>
+                  <a:srgbClr val="FFFFFF"/>
+                </a:solidFill>
+              </a14:hiddenFill>
+            </a:ext>
+          </a:extLst>
+        </p:spPr>
+      </p:pic>
+      <p:pic>
+        <p:nvPicPr>
+          <p:cNvPr id="2" name="Picture 6" descr="Image result for thank images">
+            <a:extLst>
+              <a:ext uri="{FF2B5EF4-FFF2-40B4-BE49-F238E27FC236}">
+                <a16:creationId xmlns:a16="http://schemas.microsoft.com/office/drawing/2014/main" id="{3CBB605B-B8EB-FADC-B25C-F91606F6955C}"/>
+              </a:ext>
+            </a:extLst>
+          </p:cNvPr>
+          <p:cNvPicPr>
+            <a:picLocks noChangeAspect="1" noChangeArrowheads="1"/>
+          </p:cNvPicPr>
+          <p:nvPr/>
+        </p:nvPicPr>
+        <p:blipFill>
+          <a:blip r:embed="rId4">
+            <a:extLst>
+              <a:ext uri="{28A0092B-C50C-407E-A947-70E740481C1C}">
+                <a14:useLocalDpi xmlns:a14="http://schemas.microsoft.com/office/drawing/2010/main" val="0"/>
+              </a:ext>
+            </a:extLst>
+          </a:blip>
+          <a:srcRect/>
+          <a:stretch>
+            <a:fillRect/>
+          </a:stretch>
+        </p:blipFill>
+        <p:spPr bwMode="auto">
+          <a:xfrm>
+            <a:off x="7181850" y="3751005"/>
+            <a:ext cx="1962150" cy="1333807"/>
+          </a:xfrm>
+          <a:prstGeom prst="rect">
+            <a:avLst/>
+          </a:prstGeom>
+          <a:noFill/>
+          <a:extLst>
+            <a:ext uri="{909E8E84-426E-40DD-AFC4-6F175D3DCCD1}">
+              <a14:hiddenFill xmlns:a14="http://schemas.microsoft.com/office/drawing/2010/main">
+                <a:solidFill>
+                  <a:srgbClr val="FFFFFF"/>
+                </a:solidFill>
+              </a14:hiddenFill>
+            </a:ext>
+          </a:extLst>
+        </p:spPr>
+      </p:pic>
+      <p:pic>
+        <p:nvPicPr>
+          <p:cNvPr id="3" name="Google Shape;74;p1">
+            <a:extLst>
+              <a:ext uri="{FF2B5EF4-FFF2-40B4-BE49-F238E27FC236}">
+                <a16:creationId xmlns:a16="http://schemas.microsoft.com/office/drawing/2014/main" id="{9395FF4E-3FA6-F96D-2654-5C744357BFEE}"/>
+              </a:ext>
+            </a:extLst>
+          </p:cNvPr>
+          <p:cNvPicPr preferRelativeResize="0"/>
+          <p:nvPr/>
+        </p:nvPicPr>
+        <p:blipFill rotWithShape="1">
+          <a:blip r:embed="rId5">
+            <a:alphaModFix/>
+          </a:blip>
+          <a:srcRect/>
+          <a:stretch/>
+        </p:blipFill>
+        <p:spPr>
+          <a:xfrm>
+            <a:off x="2765322" y="3686053"/>
+            <a:ext cx="3017626" cy="1262149"/>
+          </a:xfrm>
+          <a:prstGeom prst="rect">
+            <a:avLst/>
+          </a:prstGeom>
+          <a:noFill/>
+          <a:ln>
+            <a:noFill/>
+          </a:ln>
+        </p:spPr>
+      </p:pic>
     </p:spTree>
   </p:cSld>
   <p:clrMapOvr>
@@ -12655,7 +12845,7 @@
     <p:bg>
       <p:bgPr>
         <a:solidFill>
-          <a:schemeClr val="accent1"/>
+          <a:schemeClr val="bg1"/>
         </a:solidFill>
         <a:effectLst/>
       </p:bgPr>
@@ -12719,7 +12909,7 @@
             <a:r>
               <a:rPr lang="en" sz="3600" u="sng" dirty="0">
                 <a:solidFill>
-                  <a:schemeClr val="lt1"/>
+                  <a:schemeClr val="bg2"/>
                 </a:solidFill>
               </a:rPr>
               <a:t>Project Diagram:</a:t>
@@ -12727,7 +12917,7 @@
             <a:r>
               <a:rPr lang="en" sz="3600" dirty="0">
                 <a:solidFill>
-                  <a:schemeClr val="lt1"/>
+                  <a:schemeClr val="bg2"/>
                 </a:solidFill>
               </a:rPr>
               <a:t>  </a:t>
@@ -12735,7 +12925,7 @@
             <a:r>
               <a:rPr lang="en" sz="1600" u="sng" dirty="0">
                 <a:solidFill>
-                  <a:schemeClr val="lt1"/>
+                  <a:schemeClr val="bg2"/>
                 </a:solidFill>
                 <a:hlinkClick r:id="rId3" action="ppaction://hlinkfile">
                   <a:extLst>
@@ -12749,7 +12939,7 @@
             </a:r>
             <a:endParaRPr sz="2400" u="sng" dirty="0">
               <a:solidFill>
-                <a:schemeClr val="lt1"/>
+                <a:schemeClr val="bg2"/>
               </a:solidFill>
             </a:endParaRPr>
           </a:p>
@@ -12832,29 +13022,49 @@
       </p:sp>
       <p:pic>
         <p:nvPicPr>
-          <p:cNvPr id="87" name="Google Shape;87;p3"/>
-          <p:cNvPicPr preferRelativeResize="0"/>
+          <p:cNvPr id="1026" name="Picture 2">
+            <a:extLst>
+              <a:ext uri="{FF2B5EF4-FFF2-40B4-BE49-F238E27FC236}">
+                <a16:creationId xmlns:a16="http://schemas.microsoft.com/office/drawing/2014/main" id="{E27D7F69-F982-42AF-3142-D1DCE29A9087}"/>
+              </a:ext>
+            </a:extLst>
+          </p:cNvPr>
+          <p:cNvPicPr>
+            <a:picLocks noChangeAspect="1" noChangeArrowheads="1"/>
+          </p:cNvPicPr>
           <p:nvPr/>
         </p:nvPicPr>
-        <p:blipFill rotWithShape="1">
+        <p:blipFill>
           <a:blip r:embed="rId4">
-            <a:alphaModFix/>
+            <a:extLst>
+              <a:ext uri="{28A0092B-C50C-407E-A947-70E740481C1C}">
+                <a14:useLocalDpi xmlns:a14="http://schemas.microsoft.com/office/drawing/2010/main" val="0"/>
+              </a:ext>
+            </a:extLst>
           </a:blip>
           <a:srcRect/>
-          <a:stretch/>
+          <a:stretch>
+            <a:fillRect/>
+          </a:stretch>
         </p:blipFill>
-        <p:spPr>
+        <p:spPr bwMode="auto">
           <a:xfrm>
-            <a:off x="150575" y="682975"/>
-            <a:ext cx="8208399" cy="4220877"/>
+            <a:off x="750" y="648875"/>
+            <a:ext cx="9143250" cy="4407694"/>
           </a:xfrm>
           <a:prstGeom prst="rect">
             <a:avLst/>
           </a:prstGeom>
           <a:noFill/>
-          <a:ln>
-            <a:noFill/>
-          </a:ln>
+          <a:extLst>
+            <a:ext uri="{909E8E84-426E-40DD-AFC4-6F175D3DCCD1}">
+              <a14:hiddenFill xmlns:a14="http://schemas.microsoft.com/office/drawing/2010/main">
+                <a:solidFill>
+                  <a:srgbClr val="FFFFFF"/>
+                </a:solidFill>
+              </a14:hiddenFill>
+            </a:ext>
+          </a:extLst>
         </p:spPr>
       </p:pic>
     </p:spTree>
@@ -12871,7 +13081,7 @@
     <p:bg>
       <p:bgPr>
         <a:solidFill>
-          <a:schemeClr val="accent1"/>
+          <a:schemeClr val="bg1"/>
         </a:solidFill>
         <a:effectLst/>
       </p:bgPr>
@@ -12933,25 +13143,25 @@
               <a:buNone/>
             </a:pPr>
             <a:r>
-              <a:rPr lang="en" sz="3600" u="sng">
-                <a:solidFill>
-                  <a:schemeClr val="lt1"/>
+              <a:rPr lang="en" sz="3600" u="sng" dirty="0">
+                <a:solidFill>
+                  <a:schemeClr val="bg2"/>
                 </a:solidFill>
               </a:rPr>
               <a:t>Project Cluster Atech Diagram:</a:t>
             </a:r>
             <a:r>
-              <a:rPr lang="en" sz="3600">
-                <a:solidFill>
-                  <a:schemeClr val="lt1"/>
+              <a:rPr lang="en" sz="3600" dirty="0">
+                <a:solidFill>
+                  <a:schemeClr val="bg2"/>
                 </a:solidFill>
               </a:rPr>
               <a:t>  </a:t>
             </a:r>
             <a:r>
-              <a:rPr lang="en" sz="1600" u="sng">
-                <a:solidFill>
-                  <a:schemeClr val="lt1"/>
+              <a:rPr lang="en" sz="1600" u="sng" dirty="0">
+                <a:solidFill>
+                  <a:schemeClr val="bg2"/>
                 </a:solidFill>
                 <a:hlinkClick r:id="rId3">
                   <a:extLst>
@@ -12961,19 +13171,10 @@
                   </a:extLst>
                 </a:hlinkClick>
               </a:rPr>
-              <a:t>click to open</a:t>
+              <a:t>click to open </a:t>
             </a:r>
             <a:r>
-              <a:rPr lang="en" sz="1600" u="sng">
-                <a:solidFill>
-                  <a:schemeClr val="hlink"/>
-                </a:solidFill>
-                <a:hlinkClick r:id="rId3"/>
-              </a:rPr>
-              <a:t> </a:t>
-            </a:r>
-            <a:r>
-              <a:rPr lang="en" sz="1600" u="sng">
+              <a:rPr lang="en" sz="1600" u="sng" dirty="0">
                 <a:solidFill>
                   <a:schemeClr val="lt1"/>
                 </a:solidFill>
@@ -12987,7 +13188,7 @@
               </a:rPr>
               <a:t>Diagram</a:t>
             </a:r>
-            <a:endParaRPr sz="2400" u="sng">
+            <a:endParaRPr sz="2400" u="sng" dirty="0">
               <a:solidFill>
                 <a:schemeClr val="lt1"/>
               </a:solidFill>
@@ -13111,7 +13312,7 @@
     <p:bg>
       <p:bgPr>
         <a:solidFill>
-          <a:schemeClr val="accent1"/>
+          <a:schemeClr val="bg1"/>
         </a:solidFill>
         <a:effectLst/>
       </p:bgPr>
@@ -13145,7 +13346,7 @@
             <a:avLst/>
           </a:prstGeom>
           <a:solidFill>
-            <a:schemeClr val="accent1"/>
+            <a:schemeClr val="bg1"/>
           </a:solidFill>
           <a:ln>
             <a:noFill/>
@@ -13175,20 +13376,44 @@
               <a:buNone/>
             </a:pPr>
             <a:r>
-              <a:rPr lang="en" sz="3000" b="1" i="0" u="none" strike="noStrike" cap="none">
-                <a:solidFill>
-                  <a:schemeClr val="lt1"/>
+              <a:rPr lang="en" sz="3000" b="1" i="0" u="none" strike="noStrike" cap="none" dirty="0">
+                <a:solidFill>
+                  <a:schemeClr val="bg2"/>
                 </a:solidFill>
                 <a:latin typeface="Raleway"/>
                 <a:ea typeface="Raleway"/>
                 <a:cs typeface="Raleway"/>
                 <a:sym typeface="Raleway"/>
               </a:rPr>
-              <a:t>Project Objective</a:t>
+              <a:t>Project</a:t>
             </a:r>
-            <a:endParaRPr sz="3000" b="1" i="0" u="none" strike="noStrike" cap="none">
+            <a:r>
+              <a:rPr lang="en" sz="3000" b="1" i="0" u="none" strike="noStrike" cap="none" dirty="0">
+                <a:solidFill>
+                  <a:schemeClr val="lt1"/>
+                </a:solidFill>
+                <a:latin typeface="Raleway"/>
+                <a:ea typeface="Raleway"/>
+                <a:cs typeface="Raleway"/>
+                <a:sym typeface="Raleway"/>
+              </a:rPr>
+              <a:t> </a:t>
+            </a:r>
+            <a:r>
+              <a:rPr lang="en" sz="3000" b="1" i="0" u="none" strike="noStrike" cap="none" dirty="0">
+                <a:solidFill>
+                  <a:schemeClr val="bg2"/>
+                </a:solidFill>
+                <a:latin typeface="Raleway"/>
+                <a:ea typeface="Raleway"/>
+                <a:cs typeface="Raleway"/>
+                <a:sym typeface="Raleway"/>
+              </a:rPr>
+              <a:t>Objective</a:t>
+            </a:r>
+            <a:endParaRPr sz="3000" b="1" i="0" u="none" strike="noStrike" cap="none" dirty="0">
               <a:solidFill>
-                <a:schemeClr val="lt1"/>
+                <a:schemeClr val="bg2"/>
               </a:solidFill>
               <a:latin typeface="Raleway"/>
               <a:ea typeface="Raleway"/>
@@ -13210,14 +13435,14 @@
         </p:nvSpPr>
         <p:spPr>
           <a:xfrm>
-            <a:off x="55800" y="1450000"/>
-            <a:ext cx="8112300" cy="3327900"/>
+            <a:off x="55799" y="1450000"/>
+            <a:ext cx="8355229" cy="3327900"/>
           </a:xfrm>
           <a:prstGeom prst="rect">
             <a:avLst/>
           </a:prstGeom>
           <a:solidFill>
-            <a:schemeClr val="accent1"/>
+            <a:schemeClr val="bg1"/>
           </a:solidFill>
           <a:ln>
             <a:noFill/>
@@ -13247,9 +13472,9 @@
               <a:buNone/>
             </a:pPr>
             <a:r>
-              <a:rPr lang="en" sz="2200" b="1">
-                <a:solidFill>
-                  <a:schemeClr val="lt1"/>
+              <a:rPr lang="en" sz="2200" b="1" dirty="0">
+                <a:solidFill>
+                  <a:schemeClr val="bg2"/>
                 </a:solidFill>
                 <a:latin typeface="Arial"/>
                 <a:ea typeface="Arial"/>
@@ -13258,9 +13483,9 @@
               </a:rPr>
               <a:t>Content:</a:t>
             </a:r>
-            <a:endParaRPr sz="2200" b="1">
+            <a:endParaRPr sz="2200" b="1" dirty="0">
               <a:solidFill>
-                <a:schemeClr val="lt1"/>
+                <a:schemeClr val="bg2"/>
               </a:solidFill>
               <a:latin typeface="Arial"/>
               <a:ea typeface="Arial"/>
@@ -13287,9 +13512,9 @@
               <a:buChar char="●"/>
             </a:pPr>
             <a:r>
-              <a:rPr lang="en" b="1">
-                <a:solidFill>
-                  <a:schemeClr val="lt1"/>
+              <a:rPr lang="en" b="1" dirty="0">
+                <a:solidFill>
+                  <a:schemeClr val="bg2"/>
                 </a:solidFill>
                 <a:latin typeface="Arial"/>
                 <a:ea typeface="Arial"/>
@@ -13298,9 +13523,9 @@
               </a:rPr>
               <a:t>Designing and implementing a comprehensive CI/CD pipeline.</a:t>
             </a:r>
-            <a:endParaRPr b="1">
+            <a:endParaRPr b="1" dirty="0">
               <a:solidFill>
-                <a:schemeClr val="lt1"/>
+                <a:schemeClr val="bg2"/>
               </a:solidFill>
               <a:latin typeface="Arial"/>
               <a:ea typeface="Arial"/>
@@ -13327,9 +13552,9 @@
               <a:buChar char="●"/>
             </a:pPr>
             <a:r>
-              <a:rPr lang="en" b="1">
-                <a:solidFill>
-                  <a:schemeClr val="lt1"/>
+              <a:rPr lang="en" b="1" dirty="0">
+                <a:solidFill>
+                  <a:schemeClr val="bg2"/>
                 </a:solidFill>
                 <a:latin typeface="Arial"/>
                 <a:ea typeface="Arial"/>
@@ -13338,9 +13563,9 @@
               </a:rPr>
               <a:t>Deploying services in a microservices architecture within Kubernetes</a:t>
             </a:r>
-            <a:endParaRPr b="1">
+            <a:endParaRPr b="1" dirty="0">
               <a:solidFill>
-                <a:schemeClr val="lt1"/>
+                <a:schemeClr val="bg2"/>
               </a:solidFill>
               <a:latin typeface="Arial"/>
               <a:ea typeface="Arial"/>
@@ -13367,9 +13592,9 @@
               <a:buChar char="●"/>
             </a:pPr>
             <a:r>
-              <a:rPr lang="en" b="1">
-                <a:solidFill>
-                  <a:schemeClr val="lt1"/>
+              <a:rPr lang="en" b="1" dirty="0">
+                <a:solidFill>
+                  <a:schemeClr val="bg2"/>
                 </a:solidFill>
                 <a:latin typeface="Arial"/>
                 <a:ea typeface="Arial"/>
@@ -13378,9 +13603,9 @@
               </a:rPr>
               <a:t>Telegram Integration</a:t>
             </a:r>
-            <a:endParaRPr b="1">
+            <a:endParaRPr b="1" dirty="0">
               <a:solidFill>
-                <a:schemeClr val="lt1"/>
+                <a:schemeClr val="bg2"/>
               </a:solidFill>
               <a:latin typeface="Arial"/>
               <a:ea typeface="Arial"/>
@@ -13407,9 +13632,9 @@
               <a:buChar char="●"/>
             </a:pPr>
             <a:r>
-              <a:rPr lang="en" b="1">
-                <a:solidFill>
-                  <a:schemeClr val="lt1"/>
+              <a:rPr lang="en" b="1" dirty="0">
+                <a:solidFill>
+                  <a:schemeClr val="bg2"/>
                 </a:solidFill>
                 <a:latin typeface="Arial"/>
                 <a:ea typeface="Arial"/>
@@ -13418,9 +13643,9 @@
               </a:rPr>
               <a:t>Deploy and work with Prometheus and  Grafana monitoring tool.</a:t>
             </a:r>
-            <a:endParaRPr b="1">
+            <a:endParaRPr b="1" dirty="0">
               <a:solidFill>
-                <a:schemeClr val="lt1"/>
+                <a:schemeClr val="bg2"/>
               </a:solidFill>
               <a:latin typeface="Arial"/>
               <a:ea typeface="Arial"/>
@@ -13442,7 +13667,7 @@
               <a:buSzPts val="1800"/>
               <a:buNone/>
             </a:pPr>
-            <a:endParaRPr sz="1200" b="1">
+            <a:endParaRPr sz="1200" b="1" dirty="0">
               <a:solidFill>
                 <a:srgbClr val="000000"/>
               </a:solidFill>
@@ -13468,7 +13693,7 @@
     <p:bg>
       <p:bgPr>
         <a:solidFill>
-          <a:schemeClr val="accent1"/>
+          <a:schemeClr val="bg1"/>
         </a:solidFill>
         <a:effectLst/>
       </p:bgPr>
@@ -13530,10 +13755,18 @@
               <a:buNone/>
             </a:pPr>
             <a:r>
-              <a:rPr lang="en" sz="3200"/>
+              <a:rPr lang="en" sz="3200" dirty="0">
+                <a:solidFill>
+                  <a:schemeClr val="bg2"/>
+                </a:solidFill>
+              </a:rPr>
               <a:t>Preparations:</a:t>
             </a:r>
-            <a:endParaRPr sz="2000"/>
+            <a:endParaRPr sz="2000" dirty="0">
+              <a:solidFill>
+                <a:schemeClr val="bg2"/>
+              </a:solidFill>
+            </a:endParaRPr>
           </a:p>
           <a:p>
             <a:pPr marL="0" lvl="0" indent="0" algn="l" rtl="0">
@@ -13550,7 +13783,10 @@
               <a:buNone/>
             </a:pPr>
             <a:r>
-              <a:rPr lang="en" sz="2400">
+              <a:rPr lang="en" sz="2400" dirty="0">
+                <a:solidFill>
+                  <a:schemeClr val="bg2"/>
+                </a:solidFill>
                 <a:latin typeface="Arial"/>
                 <a:ea typeface="Arial"/>
                 <a:cs typeface="Arial"/>
@@ -13558,7 +13794,10 @@
               </a:rPr>
               <a:t>Content:</a:t>
             </a:r>
-            <a:endParaRPr sz="2400">
+            <a:endParaRPr sz="2400" dirty="0">
+              <a:solidFill>
+                <a:schemeClr val="bg2"/>
+              </a:solidFill>
               <a:latin typeface="Arial"/>
               <a:ea typeface="Arial"/>
               <a:cs typeface="Arial"/>
@@ -13581,7 +13820,10 @@
               <a:buChar char="●"/>
             </a:pPr>
             <a:r>
-              <a:rPr lang="en" sz="1800">
+              <a:rPr lang="en" sz="1800" dirty="0">
+                <a:solidFill>
+                  <a:schemeClr val="bg2"/>
+                </a:solidFill>
                 <a:latin typeface="Arial"/>
                 <a:ea typeface="Arial"/>
                 <a:cs typeface="Arial"/>
@@ -13589,7 +13831,10 @@
               </a:rPr>
               <a:t>Installation  Jenkins</a:t>
             </a:r>
-            <a:endParaRPr sz="1800">
+            <a:endParaRPr sz="1800" dirty="0">
+              <a:solidFill>
+                <a:schemeClr val="bg2"/>
+              </a:solidFill>
               <a:latin typeface="Arial"/>
               <a:ea typeface="Arial"/>
               <a:cs typeface="Arial"/>
@@ -13612,7 +13857,10 @@
               <a:buChar char="●"/>
             </a:pPr>
             <a:r>
-              <a:rPr lang="en" sz="1800">
+              <a:rPr lang="en" sz="1800" dirty="0">
+                <a:solidFill>
+                  <a:schemeClr val="bg2"/>
+                </a:solidFill>
                 <a:latin typeface="Arial"/>
                 <a:ea typeface="Arial"/>
                 <a:cs typeface="Arial"/>
@@ -13620,7 +13868,10 @@
               </a:rPr>
               <a:t>Installation with Helm Prometheus and Gerfan</a:t>
             </a:r>
-            <a:endParaRPr sz="1800">
+            <a:endParaRPr sz="1800" dirty="0">
+              <a:solidFill>
+                <a:schemeClr val="bg2"/>
+              </a:solidFill>
               <a:latin typeface="Arial"/>
               <a:ea typeface="Arial"/>
               <a:cs typeface="Arial"/>
@@ -13643,7 +13894,10 @@
               <a:buChar char="●"/>
             </a:pPr>
             <a:r>
-              <a:rPr lang="en" sz="1800">
+              <a:rPr lang="en" sz="1800" dirty="0">
+                <a:solidFill>
+                  <a:schemeClr val="bg2"/>
+                </a:solidFill>
                 <a:latin typeface="Arial"/>
                 <a:ea typeface="Arial"/>
                 <a:cs typeface="Arial"/>
@@ -13651,7 +13905,10 @@
               </a:rPr>
               <a:t>Authentication aws,Jenkins,...</a:t>
             </a:r>
-            <a:endParaRPr sz="1800">
+            <a:endParaRPr sz="1800" dirty="0">
+              <a:solidFill>
+                <a:schemeClr val="bg2"/>
+              </a:solidFill>
               <a:latin typeface="Arial"/>
               <a:ea typeface="Arial"/>
               <a:cs typeface="Arial"/>
@@ -13674,7 +13931,10 @@
               <a:buChar char="●"/>
             </a:pPr>
             <a:r>
-              <a:rPr lang="en" sz="1800">
+              <a:rPr lang="en" sz="1800" dirty="0">
+                <a:solidFill>
+                  <a:schemeClr val="bg2"/>
+                </a:solidFill>
                 <a:latin typeface="Arial"/>
                 <a:ea typeface="Arial"/>
                 <a:cs typeface="Arial"/>
@@ -13682,7 +13942,10 @@
               </a:rPr>
               <a:t>Argocd up and running</a:t>
             </a:r>
-            <a:endParaRPr sz="1800">
+            <a:endParaRPr sz="1800" dirty="0">
+              <a:solidFill>
+                <a:schemeClr val="bg2"/>
+              </a:solidFill>
               <a:latin typeface="Arial"/>
               <a:ea typeface="Arial"/>
               <a:cs typeface="Arial"/>
@@ -13705,7 +13968,10 @@
               <a:buChar char="●"/>
             </a:pPr>
             <a:r>
-              <a:rPr lang="en" sz="1800">
+              <a:rPr lang="en" sz="1800" dirty="0">
+                <a:solidFill>
+                  <a:schemeClr val="bg2"/>
+                </a:solidFill>
                 <a:latin typeface="Arial"/>
                 <a:ea typeface="Arial"/>
                 <a:cs typeface="Arial"/>
@@ -13713,7 +13979,10 @@
               </a:rPr>
               <a:t>Telegram bot up and running </a:t>
             </a:r>
-            <a:endParaRPr sz="1800">
+            <a:endParaRPr sz="1800" dirty="0">
+              <a:solidFill>
+                <a:schemeClr val="bg2"/>
+              </a:solidFill>
               <a:latin typeface="Arial"/>
               <a:ea typeface="Arial"/>
               <a:cs typeface="Arial"/>
@@ -13736,7 +14005,7 @@
               <a:buChar char="●"/>
             </a:pPr>
             <a:r>
-              <a:rPr lang="en" sz="1800" u="sng">
+              <a:rPr lang="en" sz="1800" u="sng" dirty="0">
                 <a:solidFill>
                   <a:schemeClr val="dk1"/>
                 </a:solidFill>
@@ -13754,7 +14023,7 @@
               </a:rPr>
               <a:t>https://argo-cd.atech-bot.click/</a:t>
             </a:r>
-            <a:endParaRPr sz="1800">
+            <a:endParaRPr sz="1800" dirty="0">
               <a:solidFill>
                 <a:schemeClr val="dk1"/>
               </a:solidFill>
@@ -13780,7 +14049,7 @@
               <a:buChar char="●"/>
             </a:pPr>
             <a:r>
-              <a:rPr lang="en" sz="1800" u="sng">
+              <a:rPr lang="en" sz="1800" u="sng" dirty="0">
                 <a:solidFill>
                   <a:schemeClr val="dk1"/>
                 </a:solidFill>
@@ -13798,7 +14067,7 @@
               </a:rPr>
               <a:t>http://muh-grafan.atech-bot.click</a:t>
             </a:r>
-            <a:endParaRPr sz="1800">
+            <a:endParaRPr sz="1800" dirty="0">
               <a:solidFill>
                 <a:schemeClr val="dk1"/>
               </a:solidFill>
@@ -13824,7 +14093,7 @@
               <a:buChar char="●"/>
             </a:pPr>
             <a:r>
-              <a:rPr lang="en" sz="1800" u="sng">
+              <a:rPr lang="en" sz="1800" u="sng" dirty="0">
                 <a:solidFill>
                   <a:schemeClr val="dk1"/>
                 </a:solidFill>
@@ -13842,7 +14111,7 @@
               </a:rPr>
               <a:t>http://muh-promethues.atech-bot.click:9090</a:t>
             </a:r>
-            <a:endParaRPr sz="1800">
+            <a:endParaRPr sz="1800" dirty="0">
               <a:solidFill>
                 <a:schemeClr val="dk1"/>
               </a:solidFill>
@@ -13868,7 +14137,7 @@
               <a:buChar char="●"/>
             </a:pPr>
             <a:r>
-              <a:rPr lang="en" sz="1800" u="sng">
+              <a:rPr lang="en" sz="1800" u="sng" dirty="0">
                 <a:solidFill>
                   <a:srgbClr val="FFFF00"/>
                 </a:solidFill>
@@ -13887,7 +14156,7 @@
               <a:t>http://52.201.178.63:3000</a:t>
             </a:r>
             <a:r>
-              <a:rPr lang="en" sz="1800" u="sng">
+              <a:rPr lang="en" sz="1800" u="sng" dirty="0">
                 <a:solidFill>
                   <a:schemeClr val="hlink"/>
                 </a:solidFill>
@@ -13900,15 +14169,30 @@
               <a:t> </a:t>
             </a:r>
             <a:r>
-              <a:rPr lang="en" sz="1800">
+              <a:rPr lang="en" sz="1800" dirty="0">
                 <a:latin typeface="Arial"/>
                 <a:ea typeface="Arial"/>
                 <a:cs typeface="Arial"/>
                 <a:sym typeface="Arial"/>
               </a:rPr>
-              <a:t>      (Grafana)</a:t>
+              <a:t>      </a:t>
             </a:r>
-            <a:endParaRPr sz="1800">
+            <a:r>
+              <a:rPr lang="en" sz="1800" dirty="0">
+                <a:solidFill>
+                  <a:schemeClr val="bg2"/>
+                </a:solidFill>
+                <a:latin typeface="Arial"/>
+                <a:ea typeface="Arial"/>
+                <a:cs typeface="Arial"/>
+                <a:sym typeface="Arial"/>
+              </a:rPr>
+              <a:t>(Grafana)</a:t>
+            </a:r>
+            <a:endParaRPr sz="1800" dirty="0">
+              <a:solidFill>
+                <a:schemeClr val="bg2"/>
+              </a:solidFill>
               <a:latin typeface="Arial"/>
               <a:ea typeface="Arial"/>
               <a:cs typeface="Arial"/>
@@ -13931,7 +14215,7 @@
               <a:buChar char="●"/>
             </a:pPr>
             <a:r>
-              <a:rPr lang="en" sz="1800" u="sng">
+              <a:rPr lang="en" sz="1800" u="sng" dirty="0">
                 <a:solidFill>
                   <a:srgbClr val="FFFF00"/>
                 </a:solidFill>
@@ -13950,15 +14234,30 @@
               <a:t>http://52.201.178.63:9090/</a:t>
             </a:r>
             <a:r>
-              <a:rPr lang="en" sz="1800">
+              <a:rPr lang="en" sz="1800" dirty="0">
                 <a:latin typeface="Arial"/>
                 <a:ea typeface="Arial"/>
                 <a:cs typeface="Arial"/>
                 <a:sym typeface="Arial"/>
               </a:rPr>
-              <a:t>      (Prometheus)</a:t>
+              <a:t>      </a:t>
             </a:r>
-            <a:endParaRPr sz="1800">
+            <a:r>
+              <a:rPr lang="en" sz="1800" dirty="0">
+                <a:solidFill>
+                  <a:schemeClr val="bg2"/>
+                </a:solidFill>
+                <a:latin typeface="Arial"/>
+                <a:ea typeface="Arial"/>
+                <a:cs typeface="Arial"/>
+                <a:sym typeface="Arial"/>
+              </a:rPr>
+              <a:t>(Prometheus)</a:t>
+            </a:r>
+            <a:endParaRPr sz="1800" dirty="0">
+              <a:solidFill>
+                <a:schemeClr val="bg2"/>
+              </a:solidFill>
               <a:latin typeface="Arial"/>
               <a:ea typeface="Arial"/>
               <a:cs typeface="Arial"/>
@@ -13981,7 +14280,7 @@
               <a:buChar char="●"/>
             </a:pPr>
             <a:r>
-              <a:rPr lang="en" sz="1800" u="sng">
+              <a:rPr lang="en" sz="1800" u="sng" dirty="0">
                 <a:solidFill>
                   <a:srgbClr val="FFFF00"/>
                 </a:solidFill>
@@ -14000,15 +14299,30 @@
               <a:t>http://100.27.108.130:8080/</a:t>
             </a:r>
             <a:r>
-              <a:rPr lang="en" sz="1800">
+              <a:rPr lang="en" sz="1800" dirty="0">
                 <a:latin typeface="Arial"/>
                 <a:ea typeface="Arial"/>
                 <a:cs typeface="Arial"/>
                 <a:sym typeface="Arial"/>
               </a:rPr>
-              <a:t>    (Jenkins)</a:t>
+              <a:t>    </a:t>
             </a:r>
-            <a:endParaRPr sz="1800">
+            <a:r>
+              <a:rPr lang="en" sz="1800" dirty="0">
+                <a:solidFill>
+                  <a:schemeClr val="bg2"/>
+                </a:solidFill>
+                <a:latin typeface="Arial"/>
+                <a:ea typeface="Arial"/>
+                <a:cs typeface="Arial"/>
+                <a:sym typeface="Arial"/>
+              </a:rPr>
+              <a:t>(Jenkins)</a:t>
+            </a:r>
+            <a:endParaRPr sz="1800" dirty="0">
+              <a:solidFill>
+                <a:schemeClr val="bg2"/>
+              </a:solidFill>
               <a:latin typeface="Arial"/>
               <a:ea typeface="Arial"/>
               <a:cs typeface="Arial"/>
@@ -14031,7 +14345,7 @@
               <a:buChar char="●"/>
             </a:pPr>
             <a:r>
-              <a:rPr lang="en" sz="1800" u="sng">
+              <a:rPr lang="en" sz="1800" u="sng" dirty="0">
                 <a:solidFill>
                   <a:srgbClr val="FFFF00"/>
                 </a:solidFill>
@@ -14050,7 +14364,7 @@
               <a:t>http://52.20.17.126:9000</a:t>
             </a:r>
             <a:r>
-              <a:rPr lang="en" sz="1800">
+              <a:rPr lang="en" sz="1800" dirty="0">
                 <a:solidFill>
                   <a:srgbClr val="FFFF00"/>
                 </a:solidFill>
@@ -14062,7 +14376,10 @@
               <a:t>         </a:t>
             </a:r>
             <a:r>
-              <a:rPr lang="en" sz="1800">
+              <a:rPr lang="en" sz="1800" dirty="0">
+                <a:solidFill>
+                  <a:schemeClr val="bg2"/>
+                </a:solidFill>
                 <a:latin typeface="Arial"/>
                 <a:ea typeface="Arial"/>
                 <a:cs typeface="Arial"/>
@@ -14070,7 +14387,10 @@
               </a:rPr>
               <a:t>(SonarQube)</a:t>
             </a:r>
-            <a:endParaRPr sz="1800">
+            <a:endParaRPr sz="1800" dirty="0">
+              <a:solidFill>
+                <a:schemeClr val="bg2"/>
+              </a:solidFill>
               <a:latin typeface="Arial"/>
               <a:ea typeface="Arial"/>
               <a:cs typeface="Arial"/>
@@ -14091,7 +14411,7 @@
               <a:buSzPts val="4800"/>
               <a:buNone/>
             </a:pPr>
-            <a:endParaRPr sz="1800">
+            <a:endParaRPr sz="1800" dirty="0">
               <a:latin typeface="Arial"/>
               <a:ea typeface="Arial"/>
               <a:cs typeface="Arial"/>
@@ -14112,7 +14432,7 @@
               <a:buSzPts val="4800"/>
               <a:buNone/>
             </a:pPr>
-            <a:endParaRPr sz="1800">
+            <a:endParaRPr sz="1800" dirty="0">
               <a:latin typeface="Arial"/>
               <a:ea typeface="Arial"/>
               <a:cs typeface="Arial"/>
@@ -14133,7 +14453,7 @@
               <a:buSzPts val="4800"/>
               <a:buNone/>
             </a:pPr>
-            <a:endParaRPr sz="1800">
+            <a:endParaRPr sz="1800" dirty="0">
               <a:latin typeface="Arial"/>
               <a:ea typeface="Arial"/>
               <a:cs typeface="Arial"/>
@@ -14154,7 +14474,7 @@
               <a:buSzPts val="4800"/>
               <a:buNone/>
             </a:pPr>
-            <a:endParaRPr/>
+            <a:endParaRPr dirty="0"/>
           </a:p>
         </p:txBody>
       </p:sp>
@@ -14172,7 +14492,7 @@
     <p:bg>
       <p:bgPr>
         <a:solidFill>
-          <a:schemeClr val="accent1"/>
+          <a:schemeClr val="bg1"/>
         </a:solidFill>
         <a:effectLst/>
       </p:bgPr>
@@ -14234,10 +14554,18 @@
               <a:buNone/>
             </a:pPr>
             <a:r>
-              <a:rPr lang="en" sz="3200"/>
+              <a:rPr lang="en" sz="3200" dirty="0">
+                <a:solidFill>
+                  <a:schemeClr val="bg2"/>
+                </a:solidFill>
+              </a:rPr>
               <a:t>Service Guidelines:</a:t>
             </a:r>
-            <a:endParaRPr sz="3200"/>
+            <a:endParaRPr sz="3200" dirty="0">
+              <a:solidFill>
+                <a:schemeClr val="bg2"/>
+              </a:solidFill>
+            </a:endParaRPr>
           </a:p>
           <a:p>
             <a:pPr marL="457200" lvl="0" indent="-342900" algn="l" rtl="0">
@@ -14254,10 +14582,18 @@
               <a:buChar char="●"/>
             </a:pPr>
             <a:r>
-              <a:rPr lang="en" sz="1800"/>
+              <a:rPr lang="en" sz="1800" dirty="0">
+                <a:solidFill>
+                  <a:schemeClr val="bg2"/>
+                </a:solidFill>
+              </a:rPr>
               <a:t>High-level architecture of the service.</a:t>
             </a:r>
-            <a:endParaRPr sz="1800"/>
+            <a:endParaRPr sz="1800" dirty="0">
+              <a:solidFill>
+                <a:schemeClr val="bg2"/>
+              </a:solidFill>
+            </a:endParaRPr>
           </a:p>
           <a:p>
             <a:pPr marL="457200" lvl="0" indent="-342900" algn="l" rtl="0">
@@ -14274,10 +14610,18 @@
               <a:buChar char="●"/>
             </a:pPr>
             <a:r>
-              <a:rPr lang="en" sz="1800"/>
+              <a:rPr lang="en" sz="1800" dirty="0">
+                <a:solidFill>
+                  <a:schemeClr val="bg2"/>
+                </a:solidFill>
+              </a:rPr>
               <a:t>Source code repository setup.</a:t>
             </a:r>
-            <a:endParaRPr sz="1800"/>
+            <a:endParaRPr sz="1800" dirty="0">
+              <a:solidFill>
+                <a:schemeClr val="bg2"/>
+              </a:solidFill>
+            </a:endParaRPr>
           </a:p>
           <a:p>
             <a:pPr marL="457200" lvl="0" indent="-342900" algn="l" rtl="0">
@@ -14294,10 +14638,18 @@
               <a:buChar char="●"/>
             </a:pPr>
             <a:r>
-              <a:rPr lang="en" sz="1800"/>
+              <a:rPr lang="en" sz="1800" dirty="0">
+                <a:solidFill>
+                  <a:schemeClr val="bg2"/>
+                </a:solidFill>
+              </a:rPr>
               <a:t>Docker images storage.</a:t>
             </a:r>
-            <a:endParaRPr sz="1800"/>
+            <a:endParaRPr sz="1800" dirty="0">
+              <a:solidFill>
+                <a:schemeClr val="bg2"/>
+              </a:solidFill>
+            </a:endParaRPr>
           </a:p>
           <a:p>
             <a:pPr marL="457200" lvl="0" indent="-342900" algn="l" rtl="0">
@@ -14314,10 +14666,18 @@
               <a:buChar char="●"/>
             </a:pPr>
             <a:r>
-              <a:rPr lang="en" sz="1800"/>
+              <a:rPr lang="en" sz="1800" dirty="0">
+                <a:solidFill>
+                  <a:schemeClr val="bg2"/>
+                </a:solidFill>
+              </a:rPr>
               <a:t>YAML manifests creation for polybot and yolo5.</a:t>
             </a:r>
-            <a:endParaRPr sz="1800"/>
+            <a:endParaRPr sz="1800" dirty="0">
+              <a:solidFill>
+                <a:schemeClr val="bg2"/>
+              </a:solidFill>
+            </a:endParaRPr>
           </a:p>
           <a:p>
             <a:pPr marL="457200" lvl="0" indent="-342900" algn="l" rtl="0">
@@ -14334,10 +14694,18 @@
               <a:buChar char="●"/>
             </a:pPr>
             <a:r>
-              <a:rPr lang="en" sz="1800"/>
+              <a:rPr lang="en" sz="1800" dirty="0">
+                <a:solidFill>
+                  <a:schemeClr val="bg2"/>
+                </a:solidFill>
+              </a:rPr>
               <a:t>Configuration of liveness and readiness probes.</a:t>
             </a:r>
-            <a:endParaRPr sz="1800"/>
+            <a:endParaRPr sz="1800" dirty="0">
+              <a:solidFill>
+                <a:schemeClr val="bg2"/>
+              </a:solidFill>
+            </a:endParaRPr>
           </a:p>
           <a:p>
             <a:pPr marL="457200" lvl="0" indent="-342900" algn="l" rtl="0">
@@ -14354,10 +14722,18 @@
               <a:buChar char="●"/>
             </a:pPr>
             <a:r>
-              <a:rPr lang="en" sz="1800"/>
+              <a:rPr lang="en" sz="1800" dirty="0">
+                <a:solidFill>
+                  <a:schemeClr val="bg2"/>
+                </a:solidFill>
+              </a:rPr>
               <a:t>Resource requests and limits.</a:t>
             </a:r>
-            <a:endParaRPr sz="1800"/>
+            <a:endParaRPr sz="1800" dirty="0">
+              <a:solidFill>
+                <a:schemeClr val="bg2"/>
+              </a:solidFill>
+            </a:endParaRPr>
           </a:p>
           <a:p>
             <a:pPr marL="457200" lvl="0" indent="-342900" algn="l" rtl="0">
@@ -14374,10 +14750,18 @@
               <a:buChar char="●"/>
             </a:pPr>
             <a:r>
-              <a:rPr lang="en" sz="1800"/>
+              <a:rPr lang="en" sz="1800" dirty="0">
+                <a:solidFill>
+                  <a:schemeClr val="bg2"/>
+                </a:solidFill>
+              </a:rPr>
               <a:t>Autoscaling yolo5</a:t>
             </a:r>
-            <a:endParaRPr sz="1800"/>
+            <a:endParaRPr sz="1800" dirty="0">
+              <a:solidFill>
+                <a:schemeClr val="bg2"/>
+              </a:solidFill>
+            </a:endParaRPr>
           </a:p>
           <a:p>
             <a:pPr marL="457200" lvl="0" indent="-342900" algn="l" rtl="0">
@@ -14394,10 +14778,18 @@
               <a:buChar char="●"/>
             </a:pPr>
             <a:r>
-              <a:rPr lang="en" sz="1800"/>
+              <a:rPr lang="en" sz="1800" dirty="0">
+                <a:solidFill>
+                  <a:schemeClr val="bg2"/>
+                </a:solidFill>
+              </a:rPr>
               <a:t>Implementing full CI/CD pipeline Jenkins and GitHub Action.</a:t>
             </a:r>
-            <a:endParaRPr sz="1800"/>
+            <a:endParaRPr sz="1800" dirty="0">
+              <a:solidFill>
+                <a:schemeClr val="bg2"/>
+              </a:solidFill>
+            </a:endParaRPr>
           </a:p>
           <a:p>
             <a:pPr marL="457200" lvl="0" indent="-342900" algn="l" rtl="0">
@@ -14414,10 +14806,18 @@
               <a:buChar char="●"/>
             </a:pPr>
             <a:r>
-              <a:rPr lang="en" sz="1800"/>
+              <a:rPr lang="en" sz="1800" dirty="0">
+                <a:solidFill>
+                  <a:schemeClr val="bg2"/>
+                </a:solidFill>
+              </a:rPr>
               <a:t>Graceful termination handling.</a:t>
             </a:r>
-            <a:endParaRPr sz="1800"/>
+            <a:endParaRPr sz="1800" dirty="0">
+              <a:solidFill>
+                <a:schemeClr val="bg2"/>
+              </a:solidFill>
+            </a:endParaRPr>
           </a:p>
           <a:p>
             <a:pPr marL="0" lvl="0" indent="0" algn="l" rtl="0">
@@ -14433,7 +14833,7 @@
               <a:buSzPts val="4800"/>
               <a:buNone/>
             </a:pPr>
-            <a:endParaRPr sz="1800"/>
+            <a:endParaRPr sz="1800" dirty="0"/>
           </a:p>
         </p:txBody>
       </p:sp>
@@ -14451,7 +14851,7 @@
     <p:bg>
       <p:bgPr>
         <a:solidFill>
-          <a:schemeClr val="accent1"/>
+          <a:schemeClr val="bg1"/>
         </a:solidFill>
         <a:effectLst/>
       </p:bgPr>
@@ -14513,9 +14913,9 @@
               <a:buNone/>
             </a:pPr>
             <a:r>
-              <a:rPr lang="en" sz="3200" b="1" i="0" u="none" strike="noStrike" cap="none">
-                <a:solidFill>
-                  <a:schemeClr val="lt1"/>
+              <a:rPr lang="en" sz="3200" b="1" i="0" u="none" strike="noStrike" cap="none" dirty="0">
+                <a:solidFill>
+                  <a:schemeClr val="bg2"/>
                 </a:solidFill>
                 <a:latin typeface="Lato"/>
                 <a:ea typeface="Lato"/>
@@ -14524,9 +14924,9 @@
               </a:rPr>
               <a:t>Telegram Integration:</a:t>
             </a:r>
-            <a:endParaRPr sz="3200" b="1" i="0" u="none" strike="noStrike" cap="none">
+            <a:endParaRPr sz="3200" b="1" i="0" u="none" strike="noStrike" cap="none" dirty="0">
               <a:solidFill>
-                <a:schemeClr val="lt1"/>
+                <a:schemeClr val="bg2"/>
               </a:solidFill>
               <a:latin typeface="Lato"/>
               <a:ea typeface="Lato"/>
@@ -14553,9 +14953,9 @@
               <a:buNone/>
             </a:pPr>
             <a:r>
-              <a:rPr lang="en" sz="2400" b="1" i="0" u="none" strike="noStrike" cap="none">
-                <a:solidFill>
-                  <a:schemeClr val="lt1"/>
+              <a:rPr lang="en" sz="2400" b="1" i="0" u="none" strike="noStrike" cap="none" dirty="0">
+                <a:solidFill>
+                  <a:schemeClr val="bg2"/>
                 </a:solidFill>
                 <a:latin typeface="Arial"/>
                 <a:ea typeface="Arial"/>
@@ -14564,9 +14964,9 @@
               </a:rPr>
               <a:t>Content:</a:t>
             </a:r>
-            <a:endParaRPr sz="2400" b="1" i="0" u="none" strike="noStrike" cap="none">
+            <a:endParaRPr sz="2400" b="1" i="0" u="none" strike="noStrike" cap="none" dirty="0">
               <a:solidFill>
-                <a:schemeClr val="lt1"/>
+                <a:schemeClr val="bg2"/>
               </a:solidFill>
               <a:latin typeface="Arial"/>
               <a:ea typeface="Arial"/>
@@ -14593,9 +14993,9 @@
               <a:buChar char="●"/>
             </a:pPr>
             <a:r>
-              <a:rPr lang="en" sz="1800" b="1" i="0" u="none" strike="noStrike" cap="none">
-                <a:solidFill>
-                  <a:schemeClr val="lt1"/>
+              <a:rPr lang="en" sz="1800" b="1" i="0" u="none" strike="noStrike" cap="none" dirty="0">
+                <a:solidFill>
+                  <a:schemeClr val="bg2"/>
                 </a:solidFill>
                 <a:latin typeface="Arial"/>
                 <a:ea typeface="Arial"/>
@@ -14604,9 +15004,9 @@
               </a:rPr>
               <a:t>Configuring the Ingress object.</a:t>
             </a:r>
-            <a:endParaRPr sz="1800" b="1" i="0" u="none" strike="noStrike" cap="none">
+            <a:endParaRPr sz="1800" b="1" i="0" u="none" strike="noStrike" cap="none" dirty="0">
               <a:solidFill>
-                <a:schemeClr val="lt1"/>
+                <a:schemeClr val="bg2"/>
               </a:solidFill>
               <a:latin typeface="Arial"/>
               <a:ea typeface="Arial"/>
@@ -14633,9 +15033,9 @@
               <a:buChar char="●"/>
             </a:pPr>
             <a:r>
-              <a:rPr lang="en" sz="1800" b="1" i="0" u="none" strike="noStrike" cap="none">
-                <a:solidFill>
-                  <a:schemeClr val="lt1"/>
+              <a:rPr lang="en" sz="1800" b="1" i="0" u="none" strike="noStrike" cap="none" dirty="0">
+                <a:solidFill>
+                  <a:schemeClr val="bg2"/>
                 </a:solidFill>
                 <a:latin typeface="Arial"/>
                 <a:ea typeface="Arial"/>
@@ -14644,9 +15044,9 @@
               </a:rPr>
               <a:t>Performing TLS termination.</a:t>
             </a:r>
-            <a:endParaRPr sz="1800" b="1" i="0" u="none" strike="noStrike" cap="none">
+            <a:endParaRPr sz="1800" b="1" i="0" u="none" strike="noStrike" cap="none" dirty="0">
               <a:solidFill>
-                <a:schemeClr val="lt1"/>
+                <a:schemeClr val="bg2"/>
               </a:solidFill>
               <a:latin typeface="Arial"/>
               <a:ea typeface="Arial"/>
@@ -14673,9 +15073,9 @@
               <a:buChar char="●"/>
             </a:pPr>
             <a:r>
-              <a:rPr lang="en" sz="1800" b="1" i="0" u="none" strike="noStrike" cap="none">
-                <a:solidFill>
-                  <a:schemeClr val="lt1"/>
+              <a:rPr lang="en" sz="1800" b="1" i="0" u="none" strike="noStrike" cap="none" dirty="0">
+                <a:solidFill>
+                  <a:schemeClr val="bg2"/>
                 </a:solidFill>
                 <a:latin typeface="Arial"/>
                 <a:ea typeface="Arial"/>
@@ -14684,9 +15084,9 @@
               </a:rPr>
               <a:t>Creating a subdomain in Route53.</a:t>
             </a:r>
-            <a:endParaRPr sz="1800" b="1" i="0" u="none" strike="noStrike" cap="none">
+            <a:endParaRPr sz="1800" b="1" i="0" u="none" strike="noStrike" cap="none" dirty="0">
               <a:solidFill>
-                <a:schemeClr val="lt1"/>
+                <a:schemeClr val="bg2"/>
               </a:solidFill>
               <a:latin typeface="Arial"/>
               <a:ea typeface="Arial"/>
@@ -14712,7 +15112,7 @@
               <a:buFont typeface="Arial"/>
               <a:buNone/>
             </a:pPr>
-            <a:endParaRPr sz="1800" b="1" i="0" u="none" strike="noStrike" cap="none">
+            <a:endParaRPr sz="1800" b="1" i="0" u="none" strike="noStrike" cap="none" dirty="0">
               <a:solidFill>
                 <a:schemeClr val="lt1"/>
               </a:solidFill>
@@ -14738,7 +15138,7 @@
     <p:bg>
       <p:bgPr>
         <a:solidFill>
-          <a:schemeClr val="accent1"/>
+          <a:schemeClr val="bg1"/>
         </a:solidFill>
         <a:effectLst/>
       </p:bgPr>
@@ -14800,7 +15200,7 @@
               <a:buNone/>
             </a:pPr>
             <a:r>
-              <a:rPr lang="en" sz="3200" b="1" i="0" u="none" strike="noStrike" cap="none">
+              <a:rPr lang="en" sz="3200" b="1" i="0" u="none" strike="noStrike" cap="none" dirty="0">
                 <a:solidFill>
                   <a:schemeClr val="lt1"/>
                 </a:solidFill>
@@ -14809,11 +15209,23 @@
                 <a:cs typeface="Lato"/>
                 <a:sym typeface="Lato"/>
               </a:rPr>
-              <a:t> Service Monitoring:</a:t>
+              <a:t> </a:t>
             </a:r>
-            <a:endParaRPr sz="3200" b="1" i="0" u="none" strike="noStrike" cap="none">
+            <a:r>
+              <a:rPr lang="en" sz="3200" b="1" i="0" u="none" strike="noStrike" cap="none" dirty="0">
+                <a:solidFill>
+                  <a:schemeClr val="bg2"/>
+                </a:solidFill>
+                <a:latin typeface="Lato"/>
+                <a:ea typeface="Lato"/>
+                <a:cs typeface="Lato"/>
+                <a:sym typeface="Lato"/>
+              </a:rPr>
+              <a:t>Service Monitoring:</a:t>
+            </a:r>
+            <a:endParaRPr sz="3200" b="1" i="0" u="none" strike="noStrike" cap="none" dirty="0">
               <a:solidFill>
-                <a:schemeClr val="lt1"/>
+                <a:schemeClr val="bg2"/>
               </a:solidFill>
               <a:latin typeface="Lato"/>
               <a:ea typeface="Lato"/>
@@ -14840,9 +15252,9 @@
               <a:buNone/>
             </a:pPr>
             <a:r>
-              <a:rPr lang="en" sz="2400" b="1" i="0" u="none" strike="noStrike" cap="none">
-                <a:solidFill>
-                  <a:schemeClr val="lt1"/>
+              <a:rPr lang="en" sz="2400" b="1" i="0" u="none" strike="noStrike" cap="none" dirty="0">
+                <a:solidFill>
+                  <a:schemeClr val="bg2"/>
                 </a:solidFill>
                 <a:latin typeface="Arial"/>
                 <a:ea typeface="Arial"/>
@@ -14851,9 +15263,9 @@
               </a:rPr>
               <a:t>Content:</a:t>
             </a:r>
-            <a:endParaRPr sz="2400" b="1" i="0" u="none" strike="noStrike" cap="none">
+            <a:endParaRPr sz="2400" b="1" i="0" u="none" strike="noStrike" cap="none" dirty="0">
               <a:solidFill>
-                <a:schemeClr val="lt1"/>
+                <a:schemeClr val="bg2"/>
               </a:solidFill>
               <a:latin typeface="Arial"/>
               <a:ea typeface="Arial"/>
@@ -14880,9 +15292,9 @@
               <a:buChar char="●"/>
             </a:pPr>
             <a:r>
-              <a:rPr lang="en" sz="1800" b="1" i="0" u="none" strike="noStrike" cap="none">
-                <a:solidFill>
-                  <a:schemeClr val="lt1"/>
+              <a:rPr lang="en" sz="1800" b="1" i="0" u="none" strike="noStrike" cap="none" dirty="0">
+                <a:solidFill>
+                  <a:schemeClr val="bg2"/>
                 </a:solidFill>
                 <a:latin typeface="Arial"/>
                 <a:ea typeface="Arial"/>
@@ -14891,9 +15303,9 @@
               </a:rPr>
               <a:t>Deploying Grafana and Prometheus using Helm chart.</a:t>
             </a:r>
-            <a:endParaRPr sz="1800" b="1" i="0" u="none" strike="noStrike" cap="none">
+            <a:endParaRPr sz="1800" b="1" i="0" u="none" strike="noStrike" cap="none" dirty="0">
               <a:solidFill>
-                <a:schemeClr val="lt1"/>
+                <a:schemeClr val="bg2"/>
               </a:solidFill>
               <a:latin typeface="Arial"/>
               <a:ea typeface="Arial"/>
@@ -14920,9 +15332,9 @@
               <a:buChar char="●"/>
             </a:pPr>
             <a:r>
-              <a:rPr lang="en" sz="1800" b="1" i="0" u="none" strike="noStrike" cap="none">
-                <a:solidFill>
-                  <a:schemeClr val="lt1"/>
+              <a:rPr lang="en" sz="1800" b="1" i="0" u="none" strike="noStrike" cap="none" dirty="0">
+                <a:solidFill>
+                  <a:schemeClr val="bg2"/>
                 </a:solidFill>
                 <a:latin typeface="Arial"/>
                 <a:ea typeface="Arial"/>
@@ -14931,9 +15343,9 @@
               </a:rPr>
               <a:t>Integrating Grafana with AWS Cluster Atech.</a:t>
             </a:r>
-            <a:endParaRPr sz="1800" b="1" i="0" u="none" strike="noStrike" cap="none">
+            <a:endParaRPr sz="1800" b="1" i="0" u="none" strike="noStrike" cap="none" dirty="0">
               <a:solidFill>
-                <a:schemeClr val="lt1"/>
+                <a:schemeClr val="bg2"/>
               </a:solidFill>
               <a:latin typeface="Arial"/>
               <a:ea typeface="Arial"/>
@@ -14960,9 +15372,9 @@
               <a:buChar char="●"/>
             </a:pPr>
             <a:r>
-              <a:rPr lang="en" sz="1800" b="1" i="0" u="none" strike="noStrike" cap="none">
-                <a:solidFill>
-                  <a:schemeClr val="lt1"/>
+              <a:rPr lang="en" sz="1800" b="1" i="0" u="none" strike="noStrike" cap="none" dirty="0">
+                <a:solidFill>
+                  <a:schemeClr val="bg2"/>
                 </a:solidFill>
                 <a:latin typeface="Arial"/>
                 <a:ea typeface="Arial"/>
@@ -14971,7 +15383,35 @@
               </a:rPr>
               <a:t>Building dashboards to display metrics.</a:t>
             </a:r>
-            <a:endParaRPr sz="1800" b="1" i="0" u="none" strike="noStrike" cap="none">
+            <a:endParaRPr sz="1800" b="1" i="0" u="none" strike="noStrike" cap="none" dirty="0">
+              <a:solidFill>
+                <a:schemeClr val="bg2"/>
+              </a:solidFill>
+              <a:latin typeface="Arial"/>
+              <a:ea typeface="Arial"/>
+              <a:cs typeface="Arial"/>
+              <a:sym typeface="Arial"/>
+            </a:endParaRPr>
+          </a:p>
+          <a:p>
+            <a:pPr marL="457200" marR="0" lvl="0" indent="0" algn="l" rtl="0">
+              <a:lnSpc>
+                <a:spcPct val="115000"/>
+              </a:lnSpc>
+              <a:spcBef>
+                <a:spcPts val="1200"/>
+              </a:spcBef>
+              <a:spcAft>
+                <a:spcPts val="0"/>
+              </a:spcAft>
+              <a:buClr>
+                <a:srgbClr val="000000"/>
+              </a:buClr>
+              <a:buSzPts val="1800"/>
+              <a:buFont typeface="Arial"/>
+              <a:buNone/>
+            </a:pPr>
+            <a:endParaRPr sz="1800" b="1" i="0" u="none" strike="noStrike" cap="none" dirty="0">
               <a:solidFill>
                 <a:schemeClr val="lt1"/>
               </a:solidFill>
@@ -14990,7 +15430,7 @@
                 <a:spcPts val="1200"/>
               </a:spcBef>
               <a:spcAft>
-                <a:spcPts val="0"/>
+                <a:spcPts val="1200"/>
               </a:spcAft>
               <a:buClr>
                 <a:srgbClr val="000000"/>
@@ -14999,35 +15439,7 @@
               <a:buFont typeface="Arial"/>
               <a:buNone/>
             </a:pPr>
-            <a:endParaRPr sz="1800" b="1" i="0" u="none" strike="noStrike" cap="none">
-              <a:solidFill>
-                <a:schemeClr val="lt1"/>
-              </a:solidFill>
-              <a:latin typeface="Arial"/>
-              <a:ea typeface="Arial"/>
-              <a:cs typeface="Arial"/>
-              <a:sym typeface="Arial"/>
-            </a:endParaRPr>
-          </a:p>
-          <a:p>
-            <a:pPr marL="457200" marR="0" lvl="0" indent="0" algn="l" rtl="0">
-              <a:lnSpc>
-                <a:spcPct val="115000"/>
-              </a:lnSpc>
-              <a:spcBef>
-                <a:spcPts val="1200"/>
-              </a:spcBef>
-              <a:spcAft>
-                <a:spcPts val="1200"/>
-              </a:spcAft>
-              <a:buClr>
-                <a:srgbClr val="000000"/>
-              </a:buClr>
-              <a:buSzPts val="1800"/>
-              <a:buFont typeface="Arial"/>
-              <a:buNone/>
-            </a:pPr>
-            <a:endParaRPr sz="1800" b="1" i="0" u="none" strike="noStrike" cap="none">
+            <a:endParaRPr sz="1800" b="1" i="0" u="none" strike="noStrike" cap="none" dirty="0">
               <a:solidFill>
                 <a:schemeClr val="lt1"/>
               </a:solidFill>
